--- a/Documents/SmartSalary-chain.pptx
+++ b/Documents/SmartSalary-chain.pptx
@@ -4,6 +4,9 @@
   <p:sldMasterIdLst>
     <p:sldMasterId id="2147483677" r:id="rId1"/>
   </p:sldMasterIdLst>
+  <p:notesMasterIdLst>
+    <p:notesMasterId r:id="rId13"/>
+  </p:notesMasterIdLst>
   <p:sldIdLst>
     <p:sldId id="256" r:id="rId2"/>
     <p:sldId id="260" r:id="rId3"/>
@@ -122,6 +125,1165 @@
 </p:presentation>
 </file>
 
+<file path=ppt/notesMasters/notesMaster1.xml><?xml version="1.0" encoding="utf-8"?>
+<p:notesMaster xmlns:a="http://schemas.openxmlformats.org/drawingml/2006/main" xmlns:r="http://schemas.openxmlformats.org/officeDocument/2006/relationships" xmlns:p="http://schemas.openxmlformats.org/presentationml/2006/main">
+  <p:cSld>
+    <p:bg>
+      <p:bgRef idx="1001">
+        <a:schemeClr val="bg1"/>
+      </p:bgRef>
+    </p:bg>
+    <p:spTree>
+      <p:nvGrpSpPr>
+        <p:cNvPr id="1" name=""/>
+        <p:cNvGrpSpPr/>
+        <p:nvPr/>
+      </p:nvGrpSpPr>
+      <p:grpSpPr>
+        <a:xfrm>
+          <a:off x="0" y="0"/>
+          <a:ext cx="0" cy="0"/>
+          <a:chOff x="0" y="0"/>
+          <a:chExt cx="0" cy="0"/>
+        </a:xfrm>
+      </p:grpSpPr>
+      <p:sp>
+        <p:nvSpPr>
+          <p:cNvPr id="2" name="Header Placeholder 1"/>
+          <p:cNvSpPr>
+            <a:spLocks noGrp="1"/>
+          </p:cNvSpPr>
+          <p:nvPr>
+            <p:ph type="hdr" sz="quarter"/>
+          </p:nvPr>
+        </p:nvSpPr>
+        <p:spPr>
+          <a:xfrm>
+            <a:off x="0" y="0"/>
+            <a:ext cx="2971800" cy="458788"/>
+          </a:xfrm>
+          <a:prstGeom prst="rect">
+            <a:avLst/>
+          </a:prstGeom>
+        </p:spPr>
+        <p:txBody>
+          <a:bodyPr vert="horz" lIns="91440" tIns="45720" rIns="91440" bIns="45720" rtlCol="0"/>
+          <a:lstStyle>
+            <a:lvl1pPr algn="l">
+              <a:defRPr sz="1200"/>
+            </a:lvl1pPr>
+          </a:lstStyle>
+          <a:p>
+            <a:endParaRPr lang="en-GB"/>
+          </a:p>
+        </p:txBody>
+      </p:sp>
+      <p:sp>
+        <p:nvSpPr>
+          <p:cNvPr id="3" name="Date Placeholder 2"/>
+          <p:cNvSpPr>
+            <a:spLocks noGrp="1"/>
+          </p:cNvSpPr>
+          <p:nvPr>
+            <p:ph type="dt" idx="1"/>
+          </p:nvPr>
+        </p:nvSpPr>
+        <p:spPr>
+          <a:xfrm>
+            <a:off x="3884613" y="0"/>
+            <a:ext cx="2971800" cy="458788"/>
+          </a:xfrm>
+          <a:prstGeom prst="rect">
+            <a:avLst/>
+          </a:prstGeom>
+        </p:spPr>
+        <p:txBody>
+          <a:bodyPr vert="horz" lIns="91440" tIns="45720" rIns="91440" bIns="45720" rtlCol="0"/>
+          <a:lstStyle>
+            <a:lvl1pPr algn="r">
+              <a:defRPr sz="1200"/>
+            </a:lvl1pPr>
+          </a:lstStyle>
+          <a:p>
+            <a:fld id="{7D5D9A58-7F0C-4C82-A308-9C15778C70E0}" type="datetimeFigureOut">
+              <a:rPr lang="en-GB" smtClean="0"/>
+              <a:t>06/03/2016</a:t>
+            </a:fld>
+            <a:endParaRPr lang="en-GB"/>
+          </a:p>
+        </p:txBody>
+      </p:sp>
+      <p:sp>
+        <p:nvSpPr>
+          <p:cNvPr id="4" name="Slide Image Placeholder 3"/>
+          <p:cNvSpPr>
+            <a:spLocks noGrp="1" noRot="1" noChangeAspect="1"/>
+          </p:cNvSpPr>
+          <p:nvPr>
+            <p:ph type="sldImg" idx="2"/>
+          </p:nvPr>
+        </p:nvSpPr>
+        <p:spPr>
+          <a:xfrm>
+            <a:off x="685800" y="1143000"/>
+            <a:ext cx="5486400" cy="3086100"/>
+          </a:xfrm>
+          <a:prstGeom prst="rect">
+            <a:avLst/>
+          </a:prstGeom>
+          <a:noFill/>
+          <a:ln w="12700">
+            <a:solidFill>
+              <a:prstClr val="black"/>
+            </a:solidFill>
+          </a:ln>
+        </p:spPr>
+        <p:txBody>
+          <a:bodyPr vert="horz" lIns="91440" tIns="45720" rIns="91440" bIns="45720" rtlCol="0" anchor="ctr"/>
+          <a:lstStyle/>
+          <a:p>
+            <a:endParaRPr lang="en-GB"/>
+          </a:p>
+        </p:txBody>
+      </p:sp>
+      <p:sp>
+        <p:nvSpPr>
+          <p:cNvPr id="5" name="Notes Placeholder 4"/>
+          <p:cNvSpPr>
+            <a:spLocks noGrp="1"/>
+          </p:cNvSpPr>
+          <p:nvPr>
+            <p:ph type="body" sz="quarter" idx="3"/>
+          </p:nvPr>
+        </p:nvSpPr>
+        <p:spPr>
+          <a:xfrm>
+            <a:off x="685800" y="4400550"/>
+            <a:ext cx="5486400" cy="3600450"/>
+          </a:xfrm>
+          <a:prstGeom prst="rect">
+            <a:avLst/>
+          </a:prstGeom>
+        </p:spPr>
+        <p:txBody>
+          <a:bodyPr vert="horz" lIns="91440" tIns="45720" rIns="91440" bIns="45720" rtlCol="0"/>
+          <a:lstStyle/>
+          <a:p>
+            <a:pPr lvl="0"/>
+            <a:r>
+              <a:rPr lang="en-US" smtClean="0"/>
+              <a:t>Click to edit Master text styles</a:t>
+            </a:r>
+          </a:p>
+          <a:p>
+            <a:pPr lvl="1"/>
+            <a:r>
+              <a:rPr lang="en-US" smtClean="0"/>
+              <a:t>Second level</a:t>
+            </a:r>
+          </a:p>
+          <a:p>
+            <a:pPr lvl="2"/>
+            <a:r>
+              <a:rPr lang="en-US" smtClean="0"/>
+              <a:t>Third level</a:t>
+            </a:r>
+          </a:p>
+          <a:p>
+            <a:pPr lvl="3"/>
+            <a:r>
+              <a:rPr lang="en-US" smtClean="0"/>
+              <a:t>Fourth level</a:t>
+            </a:r>
+          </a:p>
+          <a:p>
+            <a:pPr lvl="4"/>
+            <a:r>
+              <a:rPr lang="en-US" smtClean="0"/>
+              <a:t>Fifth level</a:t>
+            </a:r>
+            <a:endParaRPr lang="en-GB"/>
+          </a:p>
+        </p:txBody>
+      </p:sp>
+      <p:sp>
+        <p:nvSpPr>
+          <p:cNvPr id="6" name="Footer Placeholder 5"/>
+          <p:cNvSpPr>
+            <a:spLocks noGrp="1"/>
+          </p:cNvSpPr>
+          <p:nvPr>
+            <p:ph type="ftr" sz="quarter" idx="4"/>
+          </p:nvPr>
+        </p:nvSpPr>
+        <p:spPr>
+          <a:xfrm>
+            <a:off x="0" y="8685213"/>
+            <a:ext cx="2971800" cy="458787"/>
+          </a:xfrm>
+          <a:prstGeom prst="rect">
+            <a:avLst/>
+          </a:prstGeom>
+        </p:spPr>
+        <p:txBody>
+          <a:bodyPr vert="horz" lIns="91440" tIns="45720" rIns="91440" bIns="45720" rtlCol="0" anchor="b"/>
+          <a:lstStyle>
+            <a:lvl1pPr algn="l">
+              <a:defRPr sz="1200"/>
+            </a:lvl1pPr>
+          </a:lstStyle>
+          <a:p>
+            <a:endParaRPr lang="en-GB"/>
+          </a:p>
+        </p:txBody>
+      </p:sp>
+      <p:sp>
+        <p:nvSpPr>
+          <p:cNvPr id="7" name="Slide Number Placeholder 6"/>
+          <p:cNvSpPr>
+            <a:spLocks noGrp="1"/>
+          </p:cNvSpPr>
+          <p:nvPr>
+            <p:ph type="sldNum" sz="quarter" idx="5"/>
+          </p:nvPr>
+        </p:nvSpPr>
+        <p:spPr>
+          <a:xfrm>
+            <a:off x="3884613" y="8685213"/>
+            <a:ext cx="2971800" cy="458787"/>
+          </a:xfrm>
+          <a:prstGeom prst="rect">
+            <a:avLst/>
+          </a:prstGeom>
+        </p:spPr>
+        <p:txBody>
+          <a:bodyPr vert="horz" lIns="91440" tIns="45720" rIns="91440" bIns="45720" rtlCol="0" anchor="b"/>
+          <a:lstStyle>
+            <a:lvl1pPr algn="r">
+              <a:defRPr sz="1200"/>
+            </a:lvl1pPr>
+          </a:lstStyle>
+          <a:p>
+            <a:fld id="{39F021BB-BDAD-4F23-898F-E8177312E068}" type="slidenum">
+              <a:rPr lang="en-GB" smtClean="0"/>
+              <a:t>‹#›</a:t>
+            </a:fld>
+            <a:endParaRPr lang="en-GB"/>
+          </a:p>
+        </p:txBody>
+      </p:sp>
+    </p:spTree>
+    <p:extLst>
+      <p:ext uri="{BB962C8B-B14F-4D97-AF65-F5344CB8AC3E}">
+        <p14:creationId xmlns:p14="http://schemas.microsoft.com/office/powerpoint/2010/main" val="2563055879"/>
+      </p:ext>
+    </p:extLst>
+  </p:cSld>
+  <p:clrMap bg1="lt1" tx1="dk1" bg2="lt2" tx2="dk2" accent1="accent1" accent2="accent2" accent3="accent3" accent4="accent4" accent5="accent5" accent6="accent6" hlink="hlink" folHlink="folHlink"/>
+  <p:notesStyle>
+    <a:lvl1pPr marL="0" algn="l" defTabSz="914400" rtl="0" eaLnBrk="1" latinLnBrk="0" hangingPunct="1">
+      <a:defRPr sz="1200" kern="1200">
+        <a:solidFill>
+          <a:schemeClr val="tx1"/>
+        </a:solidFill>
+        <a:latin typeface="+mn-lt"/>
+        <a:ea typeface="+mn-ea"/>
+        <a:cs typeface="+mn-cs"/>
+      </a:defRPr>
+    </a:lvl1pPr>
+    <a:lvl2pPr marL="457200" algn="l" defTabSz="914400" rtl="0" eaLnBrk="1" latinLnBrk="0" hangingPunct="1">
+      <a:defRPr sz="1200" kern="1200">
+        <a:solidFill>
+          <a:schemeClr val="tx1"/>
+        </a:solidFill>
+        <a:latin typeface="+mn-lt"/>
+        <a:ea typeface="+mn-ea"/>
+        <a:cs typeface="+mn-cs"/>
+      </a:defRPr>
+    </a:lvl2pPr>
+    <a:lvl3pPr marL="914400" algn="l" defTabSz="914400" rtl="0" eaLnBrk="1" latinLnBrk="0" hangingPunct="1">
+      <a:defRPr sz="1200" kern="1200">
+        <a:solidFill>
+          <a:schemeClr val="tx1"/>
+        </a:solidFill>
+        <a:latin typeface="+mn-lt"/>
+        <a:ea typeface="+mn-ea"/>
+        <a:cs typeface="+mn-cs"/>
+      </a:defRPr>
+    </a:lvl3pPr>
+    <a:lvl4pPr marL="1371600" algn="l" defTabSz="914400" rtl="0" eaLnBrk="1" latinLnBrk="0" hangingPunct="1">
+      <a:defRPr sz="1200" kern="1200">
+        <a:solidFill>
+          <a:schemeClr val="tx1"/>
+        </a:solidFill>
+        <a:latin typeface="+mn-lt"/>
+        <a:ea typeface="+mn-ea"/>
+        <a:cs typeface="+mn-cs"/>
+      </a:defRPr>
+    </a:lvl4pPr>
+    <a:lvl5pPr marL="1828800" algn="l" defTabSz="914400" rtl="0" eaLnBrk="1" latinLnBrk="0" hangingPunct="1">
+      <a:defRPr sz="1200" kern="1200">
+        <a:solidFill>
+          <a:schemeClr val="tx1"/>
+        </a:solidFill>
+        <a:latin typeface="+mn-lt"/>
+        <a:ea typeface="+mn-ea"/>
+        <a:cs typeface="+mn-cs"/>
+      </a:defRPr>
+    </a:lvl5pPr>
+    <a:lvl6pPr marL="2286000" algn="l" defTabSz="914400" rtl="0" eaLnBrk="1" latinLnBrk="0" hangingPunct="1">
+      <a:defRPr sz="1200" kern="1200">
+        <a:solidFill>
+          <a:schemeClr val="tx1"/>
+        </a:solidFill>
+        <a:latin typeface="+mn-lt"/>
+        <a:ea typeface="+mn-ea"/>
+        <a:cs typeface="+mn-cs"/>
+      </a:defRPr>
+    </a:lvl6pPr>
+    <a:lvl7pPr marL="2743200" algn="l" defTabSz="914400" rtl="0" eaLnBrk="1" latinLnBrk="0" hangingPunct="1">
+      <a:defRPr sz="1200" kern="1200">
+        <a:solidFill>
+          <a:schemeClr val="tx1"/>
+        </a:solidFill>
+        <a:latin typeface="+mn-lt"/>
+        <a:ea typeface="+mn-ea"/>
+        <a:cs typeface="+mn-cs"/>
+      </a:defRPr>
+    </a:lvl7pPr>
+    <a:lvl8pPr marL="3200400" algn="l" defTabSz="914400" rtl="0" eaLnBrk="1" latinLnBrk="0" hangingPunct="1">
+      <a:defRPr sz="1200" kern="1200">
+        <a:solidFill>
+          <a:schemeClr val="tx1"/>
+        </a:solidFill>
+        <a:latin typeface="+mn-lt"/>
+        <a:ea typeface="+mn-ea"/>
+        <a:cs typeface="+mn-cs"/>
+      </a:defRPr>
+    </a:lvl8pPr>
+    <a:lvl9pPr marL="3657600" algn="l" defTabSz="914400" rtl="0" eaLnBrk="1" latinLnBrk="0" hangingPunct="1">
+      <a:defRPr sz="1200" kern="1200">
+        <a:solidFill>
+          <a:schemeClr val="tx1"/>
+        </a:solidFill>
+        <a:latin typeface="+mn-lt"/>
+        <a:ea typeface="+mn-ea"/>
+        <a:cs typeface="+mn-cs"/>
+      </a:defRPr>
+    </a:lvl9pPr>
+  </p:notesStyle>
+</p:notesMaster>
+</file>
+
+<file path=ppt/notesSlides/notesSlide1.xml><?xml version="1.0" encoding="utf-8"?>
+<p:notes xmlns:a="http://schemas.openxmlformats.org/drawingml/2006/main" xmlns:r="http://schemas.openxmlformats.org/officeDocument/2006/relationships" xmlns:p="http://schemas.openxmlformats.org/presentationml/2006/main">
+  <p:cSld>
+    <p:spTree>
+      <p:nvGrpSpPr>
+        <p:cNvPr id="1" name=""/>
+        <p:cNvGrpSpPr/>
+        <p:nvPr/>
+      </p:nvGrpSpPr>
+      <p:grpSpPr>
+        <a:xfrm>
+          <a:off x="0" y="0"/>
+          <a:ext cx="0" cy="0"/>
+          <a:chOff x="0" y="0"/>
+          <a:chExt cx="0" cy="0"/>
+        </a:xfrm>
+      </p:grpSpPr>
+      <p:sp>
+        <p:nvSpPr>
+          <p:cNvPr id="2" name="Slide Image Placeholder 1"/>
+          <p:cNvSpPr>
+            <a:spLocks noGrp="1" noRot="1" noChangeAspect="1"/>
+          </p:cNvSpPr>
+          <p:nvPr>
+            <p:ph type="sldImg"/>
+          </p:nvPr>
+        </p:nvSpPr>
+        <p:spPr/>
+      </p:sp>
+      <p:sp>
+        <p:nvSpPr>
+          <p:cNvPr id="3" name="Notes Placeholder 2"/>
+          <p:cNvSpPr>
+            <a:spLocks noGrp="1"/>
+          </p:cNvSpPr>
+          <p:nvPr>
+            <p:ph type="body" idx="1"/>
+          </p:nvPr>
+        </p:nvSpPr>
+        <p:spPr/>
+        <p:txBody>
+          <a:bodyPr/>
+          <a:lstStyle/>
+          <a:p>
+            <a:r>
+              <a:rPr lang="en-GB" dirty="0" smtClean="0"/>
+              <a:t>So, welcome to the Smart Salary Chain presentation!</a:t>
+            </a:r>
+          </a:p>
+          <a:p>
+            <a:endParaRPr lang="en-GB" dirty="0"/>
+          </a:p>
+        </p:txBody>
+      </p:sp>
+      <p:sp>
+        <p:nvSpPr>
+          <p:cNvPr id="4" name="Slide Number Placeholder 3"/>
+          <p:cNvSpPr>
+            <a:spLocks noGrp="1"/>
+          </p:cNvSpPr>
+          <p:nvPr>
+            <p:ph type="sldNum" sz="quarter" idx="10"/>
+          </p:nvPr>
+        </p:nvSpPr>
+        <p:spPr/>
+        <p:txBody>
+          <a:bodyPr/>
+          <a:lstStyle/>
+          <a:p>
+            <a:fld id="{39F021BB-BDAD-4F23-898F-E8177312E068}" type="slidenum">
+              <a:rPr lang="en-GB" smtClean="0"/>
+              <a:t>1</a:t>
+            </a:fld>
+            <a:endParaRPr lang="en-GB"/>
+          </a:p>
+        </p:txBody>
+      </p:sp>
+    </p:spTree>
+    <p:extLst>
+      <p:ext uri="{BB962C8B-B14F-4D97-AF65-F5344CB8AC3E}">
+        <p14:creationId xmlns:p14="http://schemas.microsoft.com/office/powerpoint/2010/main" val="657102992"/>
+      </p:ext>
+    </p:extLst>
+  </p:cSld>
+  <p:clrMapOvr>
+    <a:masterClrMapping/>
+  </p:clrMapOvr>
+</p:notes>
+</file>
+
+<file path=ppt/notesSlides/notesSlide2.xml><?xml version="1.0" encoding="utf-8"?>
+<p:notes xmlns:a="http://schemas.openxmlformats.org/drawingml/2006/main" xmlns:r="http://schemas.openxmlformats.org/officeDocument/2006/relationships" xmlns:p="http://schemas.openxmlformats.org/presentationml/2006/main">
+  <p:cSld>
+    <p:spTree>
+      <p:nvGrpSpPr>
+        <p:cNvPr id="1" name=""/>
+        <p:cNvGrpSpPr/>
+        <p:nvPr/>
+      </p:nvGrpSpPr>
+      <p:grpSpPr>
+        <a:xfrm>
+          <a:off x="0" y="0"/>
+          <a:ext cx="0" cy="0"/>
+          <a:chOff x="0" y="0"/>
+          <a:chExt cx="0" cy="0"/>
+        </a:xfrm>
+      </p:grpSpPr>
+      <p:sp>
+        <p:nvSpPr>
+          <p:cNvPr id="2" name="Slide Image Placeholder 1"/>
+          <p:cNvSpPr>
+            <a:spLocks noGrp="1" noRot="1" noChangeAspect="1"/>
+          </p:cNvSpPr>
+          <p:nvPr>
+            <p:ph type="sldImg"/>
+          </p:nvPr>
+        </p:nvSpPr>
+        <p:spPr/>
+      </p:sp>
+      <p:sp>
+        <p:nvSpPr>
+          <p:cNvPr id="3" name="Notes Placeholder 2"/>
+          <p:cNvSpPr>
+            <a:spLocks noGrp="1"/>
+          </p:cNvSpPr>
+          <p:nvPr>
+            <p:ph type="body" idx="1"/>
+          </p:nvPr>
+        </p:nvSpPr>
+        <p:spPr/>
+        <p:txBody>
+          <a:bodyPr/>
+          <a:lstStyle/>
+          <a:p>
+            <a:r>
+              <a:rPr lang="en-GB" dirty="0" smtClean="0"/>
+              <a:t>Paying for a services is a complicate process</a:t>
+            </a:r>
+            <a:endParaRPr lang="en-GB" dirty="0"/>
+          </a:p>
+        </p:txBody>
+      </p:sp>
+      <p:sp>
+        <p:nvSpPr>
+          <p:cNvPr id="4" name="Slide Number Placeholder 3"/>
+          <p:cNvSpPr>
+            <a:spLocks noGrp="1"/>
+          </p:cNvSpPr>
+          <p:nvPr>
+            <p:ph type="sldNum" sz="quarter" idx="10"/>
+          </p:nvPr>
+        </p:nvSpPr>
+        <p:spPr/>
+        <p:txBody>
+          <a:bodyPr/>
+          <a:lstStyle/>
+          <a:p>
+            <a:fld id="{39F021BB-BDAD-4F23-898F-E8177312E068}" type="slidenum">
+              <a:rPr lang="en-GB" smtClean="0"/>
+              <a:t>2</a:t>
+            </a:fld>
+            <a:endParaRPr lang="en-GB"/>
+          </a:p>
+        </p:txBody>
+      </p:sp>
+    </p:spTree>
+    <p:extLst>
+      <p:ext uri="{BB962C8B-B14F-4D97-AF65-F5344CB8AC3E}">
+        <p14:creationId xmlns:p14="http://schemas.microsoft.com/office/powerpoint/2010/main" val="1821908037"/>
+      </p:ext>
+    </p:extLst>
+  </p:cSld>
+  <p:clrMapOvr>
+    <a:masterClrMapping/>
+  </p:clrMapOvr>
+</p:notes>
+</file>
+
+<file path=ppt/notesSlides/notesSlide3.xml><?xml version="1.0" encoding="utf-8"?>
+<p:notes xmlns:a="http://schemas.openxmlformats.org/drawingml/2006/main" xmlns:r="http://schemas.openxmlformats.org/officeDocument/2006/relationships" xmlns:p="http://schemas.openxmlformats.org/presentationml/2006/main">
+  <p:cSld>
+    <p:spTree>
+      <p:nvGrpSpPr>
+        <p:cNvPr id="1" name=""/>
+        <p:cNvGrpSpPr/>
+        <p:nvPr/>
+      </p:nvGrpSpPr>
+      <p:grpSpPr>
+        <a:xfrm>
+          <a:off x="0" y="0"/>
+          <a:ext cx="0" cy="0"/>
+          <a:chOff x="0" y="0"/>
+          <a:chExt cx="0" cy="0"/>
+        </a:xfrm>
+      </p:grpSpPr>
+      <p:sp>
+        <p:nvSpPr>
+          <p:cNvPr id="2" name="Slide Image Placeholder 1"/>
+          <p:cNvSpPr>
+            <a:spLocks noGrp="1" noRot="1" noChangeAspect="1"/>
+          </p:cNvSpPr>
+          <p:nvPr>
+            <p:ph type="sldImg"/>
+          </p:nvPr>
+        </p:nvSpPr>
+        <p:spPr/>
+      </p:sp>
+      <p:sp>
+        <p:nvSpPr>
+          <p:cNvPr id="3" name="Notes Placeholder 2"/>
+          <p:cNvSpPr>
+            <a:spLocks noGrp="1"/>
+          </p:cNvSpPr>
+          <p:nvPr>
+            <p:ph type="body" idx="1"/>
+          </p:nvPr>
+        </p:nvSpPr>
+        <p:spPr/>
+        <p:txBody>
+          <a:bodyPr/>
+          <a:lstStyle/>
+          <a:p>
+            <a:r>
+              <a:rPr lang="en-GB" dirty="0" smtClean="0"/>
+              <a:t>Businesses</a:t>
+            </a:r>
+            <a:r>
+              <a:rPr lang="en-GB" baseline="0" dirty="0" smtClean="0"/>
+              <a:t> of all sizes have been struggling to follow for decades.</a:t>
+            </a:r>
+            <a:endParaRPr lang="en-GB" dirty="0"/>
+          </a:p>
+        </p:txBody>
+      </p:sp>
+      <p:sp>
+        <p:nvSpPr>
+          <p:cNvPr id="4" name="Slide Number Placeholder 3"/>
+          <p:cNvSpPr>
+            <a:spLocks noGrp="1"/>
+          </p:cNvSpPr>
+          <p:nvPr>
+            <p:ph type="sldNum" sz="quarter" idx="10"/>
+          </p:nvPr>
+        </p:nvSpPr>
+        <p:spPr/>
+        <p:txBody>
+          <a:bodyPr/>
+          <a:lstStyle/>
+          <a:p>
+            <a:fld id="{39F021BB-BDAD-4F23-898F-E8177312E068}" type="slidenum">
+              <a:rPr lang="en-GB" smtClean="0"/>
+              <a:t>3</a:t>
+            </a:fld>
+            <a:endParaRPr lang="en-GB"/>
+          </a:p>
+        </p:txBody>
+      </p:sp>
+    </p:spTree>
+    <p:extLst>
+      <p:ext uri="{BB962C8B-B14F-4D97-AF65-F5344CB8AC3E}">
+        <p14:creationId xmlns:p14="http://schemas.microsoft.com/office/powerpoint/2010/main" val="3687735161"/>
+      </p:ext>
+    </p:extLst>
+  </p:cSld>
+  <p:clrMapOvr>
+    <a:masterClrMapping/>
+  </p:clrMapOvr>
+</p:notes>
+</file>
+
+<file path=ppt/notesSlides/notesSlide4.xml><?xml version="1.0" encoding="utf-8"?>
+<p:notes xmlns:a="http://schemas.openxmlformats.org/drawingml/2006/main" xmlns:r="http://schemas.openxmlformats.org/officeDocument/2006/relationships" xmlns:p="http://schemas.openxmlformats.org/presentationml/2006/main">
+  <p:cSld>
+    <p:spTree>
+      <p:nvGrpSpPr>
+        <p:cNvPr id="1" name=""/>
+        <p:cNvGrpSpPr/>
+        <p:nvPr/>
+      </p:nvGrpSpPr>
+      <p:grpSpPr>
+        <a:xfrm>
+          <a:off x="0" y="0"/>
+          <a:ext cx="0" cy="0"/>
+          <a:chOff x="0" y="0"/>
+          <a:chExt cx="0" cy="0"/>
+        </a:xfrm>
+      </p:grpSpPr>
+      <p:sp>
+        <p:nvSpPr>
+          <p:cNvPr id="2" name="Slide Image Placeholder 1"/>
+          <p:cNvSpPr>
+            <a:spLocks noGrp="1" noRot="1" noChangeAspect="1"/>
+          </p:cNvSpPr>
+          <p:nvPr>
+            <p:ph type="sldImg"/>
+          </p:nvPr>
+        </p:nvSpPr>
+        <p:spPr/>
+      </p:sp>
+      <p:sp>
+        <p:nvSpPr>
+          <p:cNvPr id="3" name="Notes Placeholder 2"/>
+          <p:cNvSpPr>
+            <a:spLocks noGrp="1"/>
+          </p:cNvSpPr>
+          <p:nvPr>
+            <p:ph type="body" idx="1"/>
+          </p:nvPr>
+        </p:nvSpPr>
+        <p:spPr/>
+        <p:txBody>
+          <a:bodyPr/>
+          <a:lstStyle/>
+          <a:p>
+            <a:r>
+              <a:rPr lang="en-GB" baseline="0" dirty="0" smtClean="0"/>
+              <a:t>It is so difficult to do it properly that most </a:t>
+            </a:r>
+            <a:r>
+              <a:rPr lang="en-GB" baseline="0" dirty="0" err="1" smtClean="0"/>
+              <a:t>startups</a:t>
+            </a:r>
+            <a:r>
+              <a:rPr lang="en-GB" baseline="0" dirty="0" smtClean="0"/>
+              <a:t> of the new P2P and sharing economy find themselves on the edge of legality, with a looming hammer of sanctions and investigations over their heads</a:t>
+            </a:r>
+            <a:endParaRPr lang="en-GB" dirty="0"/>
+          </a:p>
+        </p:txBody>
+      </p:sp>
+      <p:sp>
+        <p:nvSpPr>
+          <p:cNvPr id="4" name="Slide Number Placeholder 3"/>
+          <p:cNvSpPr>
+            <a:spLocks noGrp="1"/>
+          </p:cNvSpPr>
+          <p:nvPr>
+            <p:ph type="sldNum" sz="quarter" idx="10"/>
+          </p:nvPr>
+        </p:nvSpPr>
+        <p:spPr/>
+        <p:txBody>
+          <a:bodyPr/>
+          <a:lstStyle/>
+          <a:p>
+            <a:fld id="{39F021BB-BDAD-4F23-898F-E8177312E068}" type="slidenum">
+              <a:rPr lang="en-GB" smtClean="0"/>
+              <a:t>4</a:t>
+            </a:fld>
+            <a:endParaRPr lang="en-GB"/>
+          </a:p>
+        </p:txBody>
+      </p:sp>
+    </p:spTree>
+    <p:extLst>
+      <p:ext uri="{BB962C8B-B14F-4D97-AF65-F5344CB8AC3E}">
+        <p14:creationId xmlns:p14="http://schemas.microsoft.com/office/powerpoint/2010/main" val="44352534"/>
+      </p:ext>
+    </p:extLst>
+  </p:cSld>
+  <p:clrMapOvr>
+    <a:masterClrMapping/>
+  </p:clrMapOvr>
+</p:notes>
+</file>
+
+<file path=ppt/notesSlides/notesSlide5.xml><?xml version="1.0" encoding="utf-8"?>
+<p:notes xmlns:a="http://schemas.openxmlformats.org/drawingml/2006/main" xmlns:r="http://schemas.openxmlformats.org/officeDocument/2006/relationships" xmlns:p="http://schemas.openxmlformats.org/presentationml/2006/main">
+  <p:cSld>
+    <p:spTree>
+      <p:nvGrpSpPr>
+        <p:cNvPr id="1" name=""/>
+        <p:cNvGrpSpPr/>
+        <p:nvPr/>
+      </p:nvGrpSpPr>
+      <p:grpSpPr>
+        <a:xfrm>
+          <a:off x="0" y="0"/>
+          <a:ext cx="0" cy="0"/>
+          <a:chOff x="0" y="0"/>
+          <a:chExt cx="0" cy="0"/>
+        </a:xfrm>
+      </p:grpSpPr>
+      <p:sp>
+        <p:nvSpPr>
+          <p:cNvPr id="2" name="Slide Image Placeholder 1"/>
+          <p:cNvSpPr>
+            <a:spLocks noGrp="1" noRot="1" noChangeAspect="1"/>
+          </p:cNvSpPr>
+          <p:nvPr>
+            <p:ph type="sldImg"/>
+          </p:nvPr>
+        </p:nvSpPr>
+        <p:spPr/>
+      </p:sp>
+      <p:sp>
+        <p:nvSpPr>
+          <p:cNvPr id="3" name="Notes Placeholder 2"/>
+          <p:cNvSpPr>
+            <a:spLocks noGrp="1"/>
+          </p:cNvSpPr>
+          <p:nvPr>
+            <p:ph type="body" idx="1"/>
+          </p:nvPr>
+        </p:nvSpPr>
+        <p:spPr/>
+        <p:txBody>
+          <a:bodyPr/>
+          <a:lstStyle/>
+          <a:p>
+            <a:r>
+              <a:rPr lang="en-GB" dirty="0" smtClean="0"/>
+              <a:t>But if</a:t>
+            </a:r>
+            <a:r>
+              <a:rPr lang="en-GB" baseline="0" dirty="0" smtClean="0"/>
+              <a:t> what is all this complication about?</a:t>
+            </a:r>
+          </a:p>
+          <a:p>
+            <a:r>
+              <a:rPr lang="en-GB" baseline="0" dirty="0" smtClean="0"/>
+              <a:t>Well, if an employer wants to pay an employee</a:t>
+            </a:r>
+          </a:p>
+          <a:p>
+            <a:r>
+              <a:rPr lang="en-GB" baseline="0" dirty="0" smtClean="0"/>
+              <a:t>He should not forget to pay the public and private institutions of the nation’s the social security and insurances system</a:t>
+            </a:r>
+          </a:p>
+          <a:p>
+            <a:r>
+              <a:rPr lang="en-GB" baseline="0" dirty="0" smtClean="0"/>
+              <a:t>The same goes for on the receiving end</a:t>
+            </a:r>
+          </a:p>
+          <a:p>
+            <a:r>
+              <a:rPr lang="en-GB" baseline="0" dirty="0" smtClean="0"/>
+              <a:t>And all these transactions are subject to complicated contracts and paperwork</a:t>
+            </a:r>
+          </a:p>
+          <a:p>
+            <a:r>
+              <a:rPr lang="en-GB" baseline="0" dirty="0" smtClean="0"/>
+              <a:t>And if with the life evolving, more paperwork and complications</a:t>
+            </a:r>
+          </a:p>
+          <a:p>
+            <a:r>
+              <a:rPr lang="en-GB" baseline="0" dirty="0" smtClean="0"/>
+              <a:t>and if you do business with several employees, it’s inferno </a:t>
+            </a:r>
+            <a:endParaRPr lang="en-GB" dirty="0"/>
+          </a:p>
+        </p:txBody>
+      </p:sp>
+      <p:sp>
+        <p:nvSpPr>
+          <p:cNvPr id="4" name="Slide Number Placeholder 3"/>
+          <p:cNvSpPr>
+            <a:spLocks noGrp="1"/>
+          </p:cNvSpPr>
+          <p:nvPr>
+            <p:ph type="sldNum" sz="quarter" idx="10"/>
+          </p:nvPr>
+        </p:nvSpPr>
+        <p:spPr/>
+        <p:txBody>
+          <a:bodyPr/>
+          <a:lstStyle/>
+          <a:p>
+            <a:fld id="{39F021BB-BDAD-4F23-898F-E8177312E068}" type="slidenum">
+              <a:rPr lang="en-GB" smtClean="0"/>
+              <a:t>5</a:t>
+            </a:fld>
+            <a:endParaRPr lang="en-GB"/>
+          </a:p>
+        </p:txBody>
+      </p:sp>
+    </p:spTree>
+    <p:extLst>
+      <p:ext uri="{BB962C8B-B14F-4D97-AF65-F5344CB8AC3E}">
+        <p14:creationId xmlns:p14="http://schemas.microsoft.com/office/powerpoint/2010/main" val="2881766594"/>
+      </p:ext>
+    </p:extLst>
+  </p:cSld>
+  <p:clrMapOvr>
+    <a:masterClrMapping/>
+  </p:clrMapOvr>
+</p:notes>
+</file>
+
+<file path=ppt/notesSlides/notesSlide6.xml><?xml version="1.0" encoding="utf-8"?>
+<p:notes xmlns:a="http://schemas.openxmlformats.org/drawingml/2006/main" xmlns:r="http://schemas.openxmlformats.org/officeDocument/2006/relationships" xmlns:p="http://schemas.openxmlformats.org/presentationml/2006/main">
+  <p:cSld>
+    <p:spTree>
+      <p:nvGrpSpPr>
+        <p:cNvPr id="1" name=""/>
+        <p:cNvGrpSpPr/>
+        <p:nvPr/>
+      </p:nvGrpSpPr>
+      <p:grpSpPr>
+        <a:xfrm>
+          <a:off x="0" y="0"/>
+          <a:ext cx="0" cy="0"/>
+          <a:chOff x="0" y="0"/>
+          <a:chExt cx="0" cy="0"/>
+        </a:xfrm>
+      </p:grpSpPr>
+      <p:sp>
+        <p:nvSpPr>
+          <p:cNvPr id="2" name="Slide Image Placeholder 1"/>
+          <p:cNvSpPr>
+            <a:spLocks noGrp="1" noRot="1" noChangeAspect="1"/>
+          </p:cNvSpPr>
+          <p:nvPr>
+            <p:ph type="sldImg"/>
+          </p:nvPr>
+        </p:nvSpPr>
+        <p:spPr/>
+      </p:sp>
+      <p:sp>
+        <p:nvSpPr>
+          <p:cNvPr id="3" name="Notes Placeholder 2"/>
+          <p:cNvSpPr>
+            <a:spLocks noGrp="1"/>
+          </p:cNvSpPr>
+          <p:nvPr>
+            <p:ph type="body" idx="1"/>
+          </p:nvPr>
+        </p:nvSpPr>
+        <p:spPr/>
+        <p:txBody>
+          <a:bodyPr/>
+          <a:lstStyle/>
+          <a:p>
+            <a:r>
+              <a:rPr lang="en-GB" dirty="0" smtClean="0"/>
+              <a:t>How can we simplify this?</a:t>
+            </a:r>
+          </a:p>
+          <a:p>
+            <a:endParaRPr lang="en-GB" dirty="0"/>
+          </a:p>
+        </p:txBody>
+      </p:sp>
+      <p:sp>
+        <p:nvSpPr>
+          <p:cNvPr id="4" name="Slide Number Placeholder 3"/>
+          <p:cNvSpPr>
+            <a:spLocks noGrp="1"/>
+          </p:cNvSpPr>
+          <p:nvPr>
+            <p:ph type="sldNum" sz="quarter" idx="10"/>
+          </p:nvPr>
+        </p:nvSpPr>
+        <p:spPr/>
+        <p:txBody>
+          <a:bodyPr/>
+          <a:lstStyle/>
+          <a:p>
+            <a:fld id="{39F021BB-BDAD-4F23-898F-E8177312E068}" type="slidenum">
+              <a:rPr lang="en-GB" smtClean="0"/>
+              <a:t>6</a:t>
+            </a:fld>
+            <a:endParaRPr lang="en-GB"/>
+          </a:p>
+        </p:txBody>
+      </p:sp>
+    </p:spTree>
+    <p:extLst>
+      <p:ext uri="{BB962C8B-B14F-4D97-AF65-F5344CB8AC3E}">
+        <p14:creationId xmlns:p14="http://schemas.microsoft.com/office/powerpoint/2010/main" val="3911764599"/>
+      </p:ext>
+    </p:extLst>
+  </p:cSld>
+  <p:clrMapOvr>
+    <a:masterClrMapping/>
+  </p:clrMapOvr>
+</p:notes>
+</file>
+
+<file path=ppt/notesSlides/notesSlide7.xml><?xml version="1.0" encoding="utf-8"?>
+<p:notes xmlns:a="http://schemas.openxmlformats.org/drawingml/2006/main" xmlns:r="http://schemas.openxmlformats.org/officeDocument/2006/relationships" xmlns:p="http://schemas.openxmlformats.org/presentationml/2006/main">
+  <p:cSld>
+    <p:spTree>
+      <p:nvGrpSpPr>
+        <p:cNvPr id="1" name=""/>
+        <p:cNvGrpSpPr/>
+        <p:nvPr/>
+      </p:nvGrpSpPr>
+      <p:grpSpPr>
+        <a:xfrm>
+          <a:off x="0" y="0"/>
+          <a:ext cx="0" cy="0"/>
+          <a:chOff x="0" y="0"/>
+          <a:chExt cx="0" cy="0"/>
+        </a:xfrm>
+      </p:grpSpPr>
+      <p:sp>
+        <p:nvSpPr>
+          <p:cNvPr id="2" name="Slide Image Placeholder 1"/>
+          <p:cNvSpPr>
+            <a:spLocks noGrp="1" noRot="1" noChangeAspect="1"/>
+          </p:cNvSpPr>
+          <p:nvPr>
+            <p:ph type="sldImg"/>
+          </p:nvPr>
+        </p:nvSpPr>
+        <p:spPr/>
+      </p:sp>
+      <p:sp>
+        <p:nvSpPr>
+          <p:cNvPr id="3" name="Notes Placeholder 2"/>
+          <p:cNvSpPr>
+            <a:spLocks noGrp="1"/>
+          </p:cNvSpPr>
+          <p:nvPr>
+            <p:ph type="body" idx="1"/>
+          </p:nvPr>
+        </p:nvSpPr>
+        <p:spPr/>
+        <p:txBody>
+          <a:bodyPr/>
+          <a:lstStyle/>
+          <a:p>
+            <a:r>
+              <a:rPr lang="en-GB" dirty="0" smtClean="0"/>
+              <a:t>There is a new technology in town, and it’s called the </a:t>
+            </a:r>
+            <a:r>
+              <a:rPr lang="en-GB" dirty="0" err="1" smtClean="0"/>
+              <a:t>Blockchain</a:t>
+            </a:r>
+            <a:r>
+              <a:rPr lang="en-GB" dirty="0" smtClean="0"/>
+              <a:t> and its smart contracts, It’s set to radically change how things work</a:t>
+            </a:r>
+          </a:p>
+          <a:p>
+            <a:r>
+              <a:rPr lang="en-GB" dirty="0" smtClean="0"/>
+              <a:t>The rules get embedded in the system, which means that you just have</a:t>
+            </a:r>
+            <a:r>
+              <a:rPr lang="en-GB" baseline="0" dirty="0" smtClean="0"/>
+              <a:t> to pay  for Bob’s services.</a:t>
+            </a:r>
+          </a:p>
+          <a:p>
+            <a:r>
+              <a:rPr lang="en-GB" baseline="0" dirty="0" smtClean="0"/>
+              <a:t>All the heavy regulative work is performed by the system, and you’re always legal and compliant.</a:t>
+            </a:r>
+          </a:p>
+          <a:p>
+            <a:endParaRPr lang="en-GB" dirty="0"/>
+          </a:p>
+        </p:txBody>
+      </p:sp>
+      <p:sp>
+        <p:nvSpPr>
+          <p:cNvPr id="4" name="Slide Number Placeholder 3"/>
+          <p:cNvSpPr>
+            <a:spLocks noGrp="1"/>
+          </p:cNvSpPr>
+          <p:nvPr>
+            <p:ph type="sldNum" sz="quarter" idx="10"/>
+          </p:nvPr>
+        </p:nvSpPr>
+        <p:spPr/>
+        <p:txBody>
+          <a:bodyPr/>
+          <a:lstStyle/>
+          <a:p>
+            <a:fld id="{39F021BB-BDAD-4F23-898F-E8177312E068}" type="slidenum">
+              <a:rPr lang="en-GB" smtClean="0"/>
+              <a:t>7</a:t>
+            </a:fld>
+            <a:endParaRPr lang="en-GB"/>
+          </a:p>
+        </p:txBody>
+      </p:sp>
+    </p:spTree>
+    <p:extLst>
+      <p:ext uri="{BB962C8B-B14F-4D97-AF65-F5344CB8AC3E}">
+        <p14:creationId xmlns:p14="http://schemas.microsoft.com/office/powerpoint/2010/main" val="93523440"/>
+      </p:ext>
+    </p:extLst>
+  </p:cSld>
+  <p:clrMapOvr>
+    <a:masterClrMapping/>
+  </p:clrMapOvr>
+</p:notes>
+</file>
+
+<file path=ppt/notesSlides/notesSlide8.xml><?xml version="1.0" encoding="utf-8"?>
+<p:notes xmlns:a="http://schemas.openxmlformats.org/drawingml/2006/main" xmlns:r="http://schemas.openxmlformats.org/officeDocument/2006/relationships" xmlns:p="http://schemas.openxmlformats.org/presentationml/2006/main">
+  <p:cSld>
+    <p:spTree>
+      <p:nvGrpSpPr>
+        <p:cNvPr id="1" name=""/>
+        <p:cNvGrpSpPr/>
+        <p:nvPr/>
+      </p:nvGrpSpPr>
+      <p:grpSpPr>
+        <a:xfrm>
+          <a:off x="0" y="0"/>
+          <a:ext cx="0" cy="0"/>
+          <a:chOff x="0" y="0"/>
+          <a:chExt cx="0" cy="0"/>
+        </a:xfrm>
+      </p:grpSpPr>
+      <p:sp>
+        <p:nvSpPr>
+          <p:cNvPr id="2" name="Slide Image Placeholder 1"/>
+          <p:cNvSpPr>
+            <a:spLocks noGrp="1" noRot="1" noChangeAspect="1"/>
+          </p:cNvSpPr>
+          <p:nvPr>
+            <p:ph type="sldImg"/>
+          </p:nvPr>
+        </p:nvSpPr>
+        <p:spPr/>
+      </p:sp>
+      <p:sp>
+        <p:nvSpPr>
+          <p:cNvPr id="3" name="Notes Placeholder 2"/>
+          <p:cNvSpPr>
+            <a:spLocks noGrp="1"/>
+          </p:cNvSpPr>
+          <p:nvPr>
+            <p:ph type="body" idx="1"/>
+          </p:nvPr>
+        </p:nvSpPr>
+        <p:spPr/>
+        <p:txBody>
+          <a:bodyPr/>
+          <a:lstStyle/>
+          <a:p>
+            <a:r>
+              <a:rPr lang="en-GB" dirty="0" smtClean="0"/>
+              <a:t>Here is how it works, and it’s implemented on</a:t>
+            </a:r>
+            <a:r>
+              <a:rPr lang="en-GB" baseline="0" dirty="0" smtClean="0"/>
+              <a:t> the </a:t>
+            </a:r>
+            <a:r>
+              <a:rPr lang="en-GB" baseline="0" dirty="0" err="1" smtClean="0"/>
+              <a:t>blockchain</a:t>
+            </a:r>
+            <a:endParaRPr lang="en-GB" baseline="0" dirty="0" smtClean="0"/>
+          </a:p>
+          <a:p>
+            <a:endParaRPr lang="en-GB" baseline="0" dirty="0" smtClean="0"/>
+          </a:p>
+          <a:p>
+            <a:r>
+              <a:rPr lang="en-GB" baseline="0" dirty="0" smtClean="0"/>
+              <a:t>We do a simple payment, say 100 CHF for a service., and here’s what happens.</a:t>
+            </a:r>
+          </a:p>
+          <a:p>
+            <a:r>
+              <a:rPr lang="en-GB" baseline="0" dirty="0" smtClean="0"/>
+              <a:t>Time is up, so vote for us if you want to know more.</a:t>
+            </a:r>
+          </a:p>
+        </p:txBody>
+      </p:sp>
+      <p:sp>
+        <p:nvSpPr>
+          <p:cNvPr id="4" name="Slide Number Placeholder 3"/>
+          <p:cNvSpPr>
+            <a:spLocks noGrp="1"/>
+          </p:cNvSpPr>
+          <p:nvPr>
+            <p:ph type="sldNum" sz="quarter" idx="10"/>
+          </p:nvPr>
+        </p:nvSpPr>
+        <p:spPr/>
+        <p:txBody>
+          <a:bodyPr/>
+          <a:lstStyle/>
+          <a:p>
+            <a:fld id="{39F021BB-BDAD-4F23-898F-E8177312E068}" type="slidenum">
+              <a:rPr lang="en-GB" smtClean="0"/>
+              <a:t>10</a:t>
+            </a:fld>
+            <a:endParaRPr lang="en-GB"/>
+          </a:p>
+        </p:txBody>
+      </p:sp>
+    </p:spTree>
+    <p:extLst>
+      <p:ext uri="{BB962C8B-B14F-4D97-AF65-F5344CB8AC3E}">
+        <p14:creationId xmlns:p14="http://schemas.microsoft.com/office/powerpoint/2010/main" val="440698971"/>
+      </p:ext>
+    </p:extLst>
+  </p:cSld>
+  <p:clrMapOvr>
+    <a:masterClrMapping/>
+  </p:clrMapOvr>
+</p:notes>
+</file>
+
 <file path=ppt/slideLayouts/slideLayout1.xml><?xml version="1.0" encoding="utf-8"?>
 <p:sldLayout xmlns:a="http://schemas.openxmlformats.org/drawingml/2006/main" xmlns:r="http://schemas.openxmlformats.org/officeDocument/2006/relationships" xmlns:p="http://schemas.openxmlformats.org/presentationml/2006/main" type="title" preserve="1">
   <p:cSld name="Title Slide">
@@ -253,7 +1415,7 @@
           <a:p>
             <a:fld id="{F3195BB0-8D27-4844-B2C0-BA0C41CBD70A}" type="datetimeFigureOut">
               <a:rPr lang="en-GB" smtClean="0"/>
-              <a:t>05/03/2016</a:t>
+              <a:t>06/03/2016</a:t>
             </a:fld>
             <a:endParaRPr lang="en-GB"/>
           </a:p>
@@ -423,7 +1585,7 @@
           <a:p>
             <a:fld id="{F3195BB0-8D27-4844-B2C0-BA0C41CBD70A}" type="datetimeFigureOut">
               <a:rPr lang="en-GB" smtClean="0"/>
-              <a:t>05/03/2016</a:t>
+              <a:t>06/03/2016</a:t>
             </a:fld>
             <a:endParaRPr lang="en-GB"/>
           </a:p>
@@ -603,7 +1765,7 @@
           <a:p>
             <a:fld id="{F3195BB0-8D27-4844-B2C0-BA0C41CBD70A}" type="datetimeFigureOut">
               <a:rPr lang="en-GB" smtClean="0"/>
-              <a:t>05/03/2016</a:t>
+              <a:t>06/03/2016</a:t>
             </a:fld>
             <a:endParaRPr lang="en-GB"/>
           </a:p>
@@ -773,7 +1935,7 @@
           <a:p>
             <a:fld id="{F3195BB0-8D27-4844-B2C0-BA0C41CBD70A}" type="datetimeFigureOut">
               <a:rPr lang="en-GB" smtClean="0"/>
-              <a:t>05/03/2016</a:t>
+              <a:t>06/03/2016</a:t>
             </a:fld>
             <a:endParaRPr lang="en-GB"/>
           </a:p>
@@ -1019,7 +2181,7 @@
           <a:p>
             <a:fld id="{F3195BB0-8D27-4844-B2C0-BA0C41CBD70A}" type="datetimeFigureOut">
               <a:rPr lang="en-GB" smtClean="0"/>
-              <a:t>05/03/2016</a:t>
+              <a:t>06/03/2016</a:t>
             </a:fld>
             <a:endParaRPr lang="en-GB"/>
           </a:p>
@@ -1251,7 +2413,7 @@
           <a:p>
             <a:fld id="{F3195BB0-8D27-4844-B2C0-BA0C41CBD70A}" type="datetimeFigureOut">
               <a:rPr lang="en-GB" smtClean="0"/>
-              <a:t>05/03/2016</a:t>
+              <a:t>06/03/2016</a:t>
             </a:fld>
             <a:endParaRPr lang="en-GB"/>
           </a:p>
@@ -1618,7 +2780,7 @@
           <a:p>
             <a:fld id="{F3195BB0-8D27-4844-B2C0-BA0C41CBD70A}" type="datetimeFigureOut">
               <a:rPr lang="en-GB" smtClean="0"/>
-              <a:t>05/03/2016</a:t>
+              <a:t>06/03/2016</a:t>
             </a:fld>
             <a:endParaRPr lang="en-GB"/>
           </a:p>
@@ -1736,7 +2898,7 @@
           <a:p>
             <a:fld id="{F3195BB0-8D27-4844-B2C0-BA0C41CBD70A}" type="datetimeFigureOut">
               <a:rPr lang="en-GB" smtClean="0"/>
-              <a:t>05/03/2016</a:t>
+              <a:t>06/03/2016</a:t>
             </a:fld>
             <a:endParaRPr lang="en-GB"/>
           </a:p>
@@ -1831,7 +2993,7 @@
           <a:p>
             <a:fld id="{F3195BB0-8D27-4844-B2C0-BA0C41CBD70A}" type="datetimeFigureOut">
               <a:rPr lang="en-GB" smtClean="0"/>
-              <a:t>05/03/2016</a:t>
+              <a:t>06/03/2016</a:t>
             </a:fld>
             <a:endParaRPr lang="en-GB"/>
           </a:p>
@@ -2108,7 +3270,7 @@
           <a:p>
             <a:fld id="{F3195BB0-8D27-4844-B2C0-BA0C41CBD70A}" type="datetimeFigureOut">
               <a:rPr lang="en-GB" smtClean="0"/>
-              <a:t>05/03/2016</a:t>
+              <a:t>06/03/2016</a:t>
             </a:fld>
             <a:endParaRPr lang="en-GB"/>
           </a:p>
@@ -2361,7 +3523,7 @@
           <a:p>
             <a:fld id="{F3195BB0-8D27-4844-B2C0-BA0C41CBD70A}" type="datetimeFigureOut">
               <a:rPr lang="en-GB" smtClean="0"/>
-              <a:t>05/03/2016</a:t>
+              <a:t>06/03/2016</a:t>
             </a:fld>
             <a:endParaRPr lang="en-GB"/>
           </a:p>
@@ -2574,7 +3736,7 @@
           <a:p>
             <a:fld id="{F3195BB0-8D27-4844-B2C0-BA0C41CBD70A}" type="datetimeFigureOut">
               <a:rPr lang="en-GB" smtClean="0"/>
-              <a:t>05/03/2016</a:t>
+              <a:t>06/03/2016</a:t>
             </a:fld>
             <a:endParaRPr lang="en-GB"/>
           </a:p>
@@ -3118,7 +4280,7 @@
           <p:nvPr/>
         </p:nvPicPr>
         <p:blipFill>
-          <a:blip r:embed="rId2">
+          <a:blip r:embed="rId3">
             <a:extLst>
               <a:ext uri="{28A0092B-C50C-407E-A947-70E740481C1C}">
                 <a14:useLocalDpi xmlns:a14="http://schemas.microsoft.com/office/drawing/2010/main" val="0"/>
@@ -3153,7 +4315,7 @@
       <p:sp>
         <p:nvSpPr>
           <p:cNvPr id="5" name="Rectangle 4">
-            <a:hlinkClick r:id="rId3"/>
+            <a:hlinkClick r:id="rId4"/>
           </p:cNvPr>
           <p:cNvSpPr/>
           <p:nvPr/>
@@ -3217,7 +4379,7 @@
 </file>
 
 <file path=ppt/slides/slide11.xml><?xml version="1.0" encoding="utf-8"?>
-<p:sld xmlns:a="http://schemas.openxmlformats.org/drawingml/2006/main" xmlns:r="http://schemas.openxmlformats.org/officeDocument/2006/relationships" xmlns:p="http://schemas.openxmlformats.org/presentationml/2006/main">
+<p:sld xmlns:a="http://schemas.openxmlformats.org/drawingml/2006/main" xmlns:r="http://schemas.openxmlformats.org/officeDocument/2006/relationships" xmlns:p="http://schemas.openxmlformats.org/presentationml/2006/main" show="0">
   <p:cSld>
     <p:spTree>
       <p:nvGrpSpPr>
@@ -3360,6 +4522,14 @@
   <p:clrMapOvr>
     <a:masterClrMapping/>
   </p:clrMapOvr>
+  <mc:AlternateContent xmlns:mc="http://schemas.openxmlformats.org/markup-compatibility/2006">
+    <mc:Choice xmlns:p14="http://schemas.microsoft.com/office/powerpoint/2010/main" Requires="p14">
+      <p:transition spd="slow" p14:dur="2000"/>
+    </mc:Choice>
+    <mc:Fallback>
+      <p:transition spd="slow"/>
+    </mc:Fallback>
+  </mc:AlternateContent>
   <p:timing>
     <p:tnLst>
       <p:par>
@@ -3412,11 +4582,11 @@
             </a:r>
             <a:r>
               <a:rPr lang="en-GB" dirty="0" smtClean="0"/>
-              <a:t> with salary administration and </a:t>
+              <a:t> with salary </a:t>
             </a:r>
             <a:r>
               <a:rPr lang="en-GB" dirty="0" smtClean="0"/>
-              <a:t>regulations:</a:t>
+              <a:t>administration:</a:t>
             </a:r>
             <a:endParaRPr lang="en-GB" dirty="0"/>
           </a:p>
@@ -3425,36 +4595,6 @@
       <p:pic>
         <p:nvPicPr>
           <p:cNvPr id="4" name="Picture 3"/>
-          <p:cNvPicPr>
-            <a:picLocks noChangeAspect="1"/>
-          </p:cNvPicPr>
-          <p:nvPr/>
-        </p:nvPicPr>
-        <p:blipFill>
-          <a:blip r:embed="rId2" cstate="print">
-            <a:extLst>
-              <a:ext uri="{28A0092B-C50C-407E-A947-70E740481C1C}">
-                <a14:useLocalDpi xmlns:a14="http://schemas.microsoft.com/office/drawing/2010/main" val="0"/>
-              </a:ext>
-            </a:extLst>
-          </a:blip>
-          <a:stretch>
-            <a:fillRect/>
-          </a:stretch>
-        </p:blipFill>
-        <p:spPr>
-          <a:xfrm rot="1754322">
-            <a:off x="7974746" y="1945114"/>
-            <a:ext cx="3527502" cy="2441031"/>
-          </a:xfrm>
-          <a:prstGeom prst="rect">
-            <a:avLst/>
-          </a:prstGeom>
-        </p:spPr>
-      </p:pic>
-      <p:pic>
-        <p:nvPicPr>
-          <p:cNvPr id="5" name="Picture 4"/>
           <p:cNvPicPr>
             <a:picLocks noChangeAspect="1"/>
           </p:cNvPicPr>
@@ -3473,6 +4613,36 @@
           </a:stretch>
         </p:blipFill>
         <p:spPr>
+          <a:xfrm rot="1754322">
+            <a:off x="7974746" y="1945114"/>
+            <a:ext cx="3527502" cy="2441031"/>
+          </a:xfrm>
+          <a:prstGeom prst="rect">
+            <a:avLst/>
+          </a:prstGeom>
+        </p:spPr>
+      </p:pic>
+      <p:pic>
+        <p:nvPicPr>
+          <p:cNvPr id="5" name="Picture 4"/>
+          <p:cNvPicPr>
+            <a:picLocks noChangeAspect="1"/>
+          </p:cNvPicPr>
+          <p:nvPr/>
+        </p:nvPicPr>
+        <p:blipFill>
+          <a:blip r:embed="rId4" cstate="print">
+            <a:extLst>
+              <a:ext uri="{28A0092B-C50C-407E-A947-70E740481C1C}">
+                <a14:useLocalDpi xmlns:a14="http://schemas.microsoft.com/office/drawing/2010/main" val="0"/>
+              </a:ext>
+            </a:extLst>
+          </a:blip>
+          <a:stretch>
+            <a:fillRect/>
+          </a:stretch>
+        </p:blipFill>
+        <p:spPr>
           <a:xfrm>
             <a:off x="657922" y="1839921"/>
             <a:ext cx="4062352" cy="2651419"/>
@@ -3491,7 +4661,7 @@
           <p:nvPr/>
         </p:nvPicPr>
         <p:blipFill>
-          <a:blip r:embed="rId4">
+          <a:blip r:embed="rId5">
             <a:extLst>
               <a:ext uri="{28A0092B-C50C-407E-A947-70E740481C1C}">
                 <a14:useLocalDpi xmlns:a14="http://schemas.microsoft.com/office/drawing/2010/main" val="0"/>
@@ -3521,7 +4691,7 @@
           <p:nvPr/>
         </p:nvPicPr>
         <p:blipFill>
-          <a:blip r:embed="rId5" cstate="print">
+          <a:blip r:embed="rId6" cstate="print">
             <a:extLst>
               <a:ext uri="{28A0092B-C50C-407E-A947-70E740481C1C}">
                 <a14:useLocalDpi xmlns:a14="http://schemas.microsoft.com/office/drawing/2010/main" val="0"/>
@@ -3551,7 +4721,7 @@
           <p:nvPr/>
         </p:nvPicPr>
         <p:blipFill>
-          <a:blip r:embed="rId6">
+          <a:blip r:embed="rId7">
             <a:extLst>
               <a:ext uri="{28A0092B-C50C-407E-A947-70E740481C1C}">
                 <a14:useLocalDpi xmlns:a14="http://schemas.microsoft.com/office/drawing/2010/main" val="0"/>
@@ -3605,6 +4775,9 @@
                     <p:cTn id="3" fill="hold">
                       <p:stCondLst>
                         <p:cond delay="indefinite"/>
+                        <p:cond evt="onBegin" delay="0">
+                          <p:tn val="2"/>
+                        </p:cond>
                       </p:stCondLst>
                       <p:childTnLst>
                         <p:par>
@@ -3614,194 +4787,14 @@
                             </p:stCondLst>
                             <p:childTnLst>
                               <p:par>
-                                <p:cTn id="5" presetID="1" presetClass="entr" presetSubtype="0" fill="hold" nodeType="clickEffect">
+                                <p:cTn id="5" presetID="1" presetClass="entr" presetSubtype="0" fill="hold" nodeType="withEffect">
                                   <p:stCondLst>
-                                    <p:cond delay="0"/>
+                                    <p:cond delay="2500"/>
                                   </p:stCondLst>
                                   <p:childTnLst>
                                     <p:set>
                                       <p:cBhvr>
                                         <p:cTn id="6" dur="1" fill="hold">
-                                          <p:stCondLst>
-                                            <p:cond delay="0"/>
-                                          </p:stCondLst>
-                                        </p:cTn>
-                                        <p:tgtEl>
-                                          <p:spTgt spid="5"/>
-                                        </p:tgtEl>
-                                        <p:attrNameLst>
-                                          <p:attrName>style.visibility</p:attrName>
-                                        </p:attrNameLst>
-                                      </p:cBhvr>
-                                      <p:to>
-                                        <p:strVal val="visible"/>
-                                      </p:to>
-                                    </p:set>
-                                  </p:childTnLst>
-                                </p:cTn>
-                              </p:par>
-                            </p:childTnLst>
-                          </p:cTn>
-                        </p:par>
-                      </p:childTnLst>
-                    </p:cTn>
-                  </p:par>
-                  <p:par>
-                    <p:cTn id="7" fill="hold">
-                      <p:stCondLst>
-                        <p:cond delay="indefinite"/>
-                      </p:stCondLst>
-                      <p:childTnLst>
-                        <p:par>
-                          <p:cTn id="8" fill="hold">
-                            <p:stCondLst>
-                              <p:cond delay="0"/>
-                            </p:stCondLst>
-                            <p:childTnLst>
-                              <p:par>
-                                <p:cTn id="9" presetID="1" presetClass="entr" presetSubtype="0" fill="hold" nodeType="clickEffect">
-                                  <p:stCondLst>
-                                    <p:cond delay="0"/>
-                                  </p:stCondLst>
-                                  <p:childTnLst>
-                                    <p:set>
-                                      <p:cBhvr>
-                                        <p:cTn id="10" dur="1" fill="hold">
-                                          <p:stCondLst>
-                                            <p:cond delay="0"/>
-                                          </p:stCondLst>
-                                        </p:cTn>
-                                        <p:tgtEl>
-                                          <p:spTgt spid="7"/>
-                                        </p:tgtEl>
-                                        <p:attrNameLst>
-                                          <p:attrName>style.visibility</p:attrName>
-                                        </p:attrNameLst>
-                                      </p:cBhvr>
-                                      <p:to>
-                                        <p:strVal val="visible"/>
-                                      </p:to>
-                                    </p:set>
-                                  </p:childTnLst>
-                                </p:cTn>
-                              </p:par>
-                            </p:childTnLst>
-                          </p:cTn>
-                        </p:par>
-                      </p:childTnLst>
-                    </p:cTn>
-                  </p:par>
-                  <p:par>
-                    <p:cTn id="11" fill="hold">
-                      <p:stCondLst>
-                        <p:cond delay="indefinite"/>
-                      </p:stCondLst>
-                      <p:childTnLst>
-                        <p:par>
-                          <p:cTn id="12" fill="hold">
-                            <p:stCondLst>
-                              <p:cond delay="0"/>
-                            </p:stCondLst>
-                            <p:childTnLst>
-                              <p:par>
-                                <p:cTn id="13" presetID="1" presetClass="entr" presetSubtype="0" fill="hold" nodeType="clickEffect">
-                                  <p:stCondLst>
-                                    <p:cond delay="0"/>
-                                  </p:stCondLst>
-                                  <p:childTnLst>
-                                    <p:set>
-                                      <p:cBhvr>
-                                        <p:cTn id="14" dur="1" fill="hold">
-                                          <p:stCondLst>
-                                            <p:cond delay="0"/>
-                                          </p:stCondLst>
-                                        </p:cTn>
-                                        <p:tgtEl>
-                                          <p:spTgt spid="6"/>
-                                        </p:tgtEl>
-                                        <p:attrNameLst>
-                                          <p:attrName>style.visibility</p:attrName>
-                                        </p:attrNameLst>
-                                      </p:cBhvr>
-                                      <p:to>
-                                        <p:strVal val="visible"/>
-                                      </p:to>
-                                    </p:set>
-                                  </p:childTnLst>
-                                </p:cTn>
-                              </p:par>
-                            </p:childTnLst>
-                          </p:cTn>
-                        </p:par>
-                      </p:childTnLst>
-                    </p:cTn>
-                  </p:par>
-                  <p:par>
-                    <p:cTn id="15" fill="hold">
-                      <p:stCondLst>
-                        <p:cond delay="indefinite"/>
-                      </p:stCondLst>
-                      <p:childTnLst>
-                        <p:par>
-                          <p:cTn id="16" fill="hold">
-                            <p:stCondLst>
-                              <p:cond delay="0"/>
-                            </p:stCondLst>
-                            <p:childTnLst>
-                              <p:par>
-                                <p:cTn id="17" presetID="1" presetClass="entr" presetSubtype="0" fill="hold" nodeType="clickEffect">
-                                  <p:stCondLst>
-                                    <p:cond delay="0"/>
-                                  </p:stCondLst>
-                                  <p:childTnLst>
-                                    <p:set>
-                                      <p:cBhvr>
-                                        <p:cTn id="18" dur="1" fill="hold">
-                                          <p:stCondLst>
-                                            <p:cond delay="0"/>
-                                          </p:stCondLst>
-                                        </p:cTn>
-                                        <p:tgtEl>
-                                          <p:spTgt spid="4"/>
-                                        </p:tgtEl>
-                                        <p:attrNameLst>
-                                          <p:attrName>style.visibility</p:attrName>
-                                        </p:attrNameLst>
-                                      </p:cBhvr>
-                                      <p:to>
-                                        <p:strVal val="visible"/>
-                                      </p:to>
-                                    </p:set>
-                                  </p:childTnLst>
-                                </p:cTn>
-                              </p:par>
-                            </p:childTnLst>
-                          </p:cTn>
-                        </p:par>
-                      </p:childTnLst>
-                    </p:cTn>
-                  </p:par>
-                  <p:par>
-                    <p:cTn id="19" fill="hold">
-                      <p:stCondLst>
-                        <p:cond delay="indefinite"/>
-                      </p:stCondLst>
-                      <p:childTnLst>
-                        <p:par>
-                          <p:cTn id="20" fill="hold">
-                            <p:stCondLst>
-                              <p:cond delay="0"/>
-                            </p:stCondLst>
-                            <p:childTnLst>
-                              <p:par>
-                                <p:cTn id="21" presetID="1" presetClass="entr" presetSubtype="0" fill="hold" nodeType="clickEffect">
-                                  <p:stCondLst>
-                                    <p:cond delay="0"/>
-                                  </p:stCondLst>
-                                  <p:childTnLst>
-                                    <p:set>
-                                      <p:cBhvr>
-                                        <p:cTn id="22" dur="1" fill="hold">
                                           <p:stCondLst>
                                             <p:cond delay="0"/>
                                           </p:stCondLst>
@@ -3905,7 +4898,7 @@
           <p:nvPr/>
         </p:nvPicPr>
         <p:blipFill>
-          <a:blip r:embed="rId2" cstate="print">
+          <a:blip r:embed="rId3" cstate="print">
             <a:extLst>
               <a:ext uri="{28A0092B-C50C-407E-A947-70E740481C1C}">
                 <a14:useLocalDpi xmlns:a14="http://schemas.microsoft.com/office/drawing/2010/main" val="0"/>
@@ -3946,7 +4939,7 @@
           <p:nvPr/>
         </p:nvPicPr>
         <p:blipFill>
-          <a:blip r:embed="rId3">
+          <a:blip r:embed="rId4">
             <a:extLst>
               <a:ext uri="{28A0092B-C50C-407E-A947-70E740481C1C}">
                 <a14:useLocalDpi xmlns:a14="http://schemas.microsoft.com/office/drawing/2010/main" val="0"/>
@@ -3987,7 +4980,7 @@
           <p:nvPr/>
         </p:nvPicPr>
         <p:blipFill>
-          <a:blip r:embed="rId4">
+          <a:blip r:embed="rId5">
             <a:extLst>
               <a:ext uri="{28A0092B-C50C-407E-A947-70E740481C1C}">
                 <a14:useLocalDpi xmlns:a14="http://schemas.microsoft.com/office/drawing/2010/main" val="0"/>
@@ -4056,6 +5049,47 @@
           <a:chExt cx="0" cy="0"/>
         </a:xfrm>
       </p:grpSpPr>
+      <p:pic>
+        <p:nvPicPr>
+          <p:cNvPr id="3" name="Picture 2" descr="http://www.clipartbest.com/cliparts/dT6/oLq/dT6oLqpT9.png"/>
+          <p:cNvPicPr>
+            <a:picLocks noChangeAspect="1" noChangeArrowheads="1"/>
+          </p:cNvPicPr>
+          <p:nvPr/>
+        </p:nvPicPr>
+        <p:blipFill>
+          <a:blip r:embed="rId3" cstate="print">
+            <a:extLst>
+              <a:ext uri="{28A0092B-C50C-407E-A947-70E740481C1C}">
+                <a14:useLocalDpi xmlns:a14="http://schemas.microsoft.com/office/drawing/2010/main" val="0"/>
+              </a:ext>
+            </a:extLst>
+          </a:blip>
+          <a:srcRect/>
+          <a:stretch>
+            <a:fillRect/>
+          </a:stretch>
+        </p:blipFill>
+        <p:spPr bwMode="auto">
+          <a:xfrm>
+            <a:off x="7419165" y="777746"/>
+            <a:ext cx="4406597" cy="3565163"/>
+          </a:xfrm>
+          <a:prstGeom prst="rect">
+            <a:avLst/>
+          </a:prstGeom>
+          <a:noFill/>
+          <a:extLst>
+            <a:ext uri="{909E8E84-426E-40DD-AFC4-6F175D3DCCD1}">
+              <a14:hiddenFill xmlns:a14="http://schemas.microsoft.com/office/drawing/2010/main">
+                <a:solidFill>
+                  <a:srgbClr val="FFFFFF"/>
+                </a:solidFill>
+              </a14:hiddenFill>
+            </a:ext>
+          </a:extLst>
+        </p:spPr>
+      </p:pic>
       <p:sp>
         <p:nvSpPr>
           <p:cNvPr id="2" name="Title 1"/>
@@ -4078,23 +5112,7 @@
           <a:p>
             <a:r>
               <a:rPr lang="en-GB" dirty="0" smtClean="0"/>
-              <a:t>…</a:t>
-            </a:r>
-            <a:r>
-              <a:rPr lang="en-GB" dirty="0" smtClean="0"/>
-              <a:t>let alone </a:t>
-            </a:r>
-            <a:r>
-              <a:rPr lang="en-GB" dirty="0" smtClean="0"/>
-              <a:t>for </a:t>
-            </a:r>
-            <a:r>
-              <a:rPr lang="en-GB" dirty="0" smtClean="0"/>
-              <a:t>the emerging P2P and sharing </a:t>
-            </a:r>
-            <a:r>
-              <a:rPr lang="en-GB" dirty="0" smtClean="0"/>
-              <a:t>economies…</a:t>
+              <a:t>…let alone for the emerging P2P and sharing economies…</a:t>
             </a:r>
             <a:endParaRPr lang="en-GB" dirty="0"/>
           </a:p>
@@ -4109,7 +5127,7 @@
           <p:nvPr/>
         </p:nvPicPr>
         <p:blipFill>
-          <a:blip r:embed="rId2" cstate="print">
+          <a:blip r:embed="rId4" cstate="print">
             <a:extLst>
               <a:ext uri="{28A0092B-C50C-407E-A947-70E740481C1C}">
                 <a14:useLocalDpi xmlns:a14="http://schemas.microsoft.com/office/drawing/2010/main" val="0"/>
@@ -4123,7 +5141,7 @@
         </p:blipFill>
         <p:spPr bwMode="auto">
           <a:xfrm>
-            <a:off x="4205360" y="5005582"/>
+            <a:off x="3646297" y="5004826"/>
             <a:ext cx="1947306" cy="1947306"/>
           </a:xfrm>
           <a:prstGeom prst="rect">
@@ -4150,7 +5168,7 @@
           <p:nvPr/>
         </p:nvPicPr>
         <p:blipFill>
-          <a:blip r:embed="rId3">
+          <a:blip r:embed="rId5">
             <a:extLst>
               <a:ext uri="{28A0092B-C50C-407E-A947-70E740481C1C}">
                 <a14:useLocalDpi xmlns:a14="http://schemas.microsoft.com/office/drawing/2010/main" val="0"/>
@@ -4164,7 +5182,7 @@
         </p:blipFill>
         <p:spPr bwMode="auto">
           <a:xfrm>
-            <a:off x="1641833" y="5525187"/>
+            <a:off x="350242" y="3284186"/>
             <a:ext cx="1929703" cy="908096"/>
           </a:xfrm>
           <a:prstGeom prst="rect">
@@ -4191,7 +5209,7 @@
           <p:nvPr/>
         </p:nvPicPr>
         <p:blipFill>
-          <a:blip r:embed="rId4">
+          <a:blip r:embed="rId6">
             <a:extLst>
               <a:ext uri="{28A0092B-C50C-407E-A947-70E740481C1C}">
                 <a14:useLocalDpi xmlns:a14="http://schemas.microsoft.com/office/drawing/2010/main" val="0"/>
@@ -4205,7 +5223,7 @@
         </p:blipFill>
         <p:spPr bwMode="auto">
           <a:xfrm>
-            <a:off x="7888544" y="2868120"/>
+            <a:off x="8484225" y="4604776"/>
             <a:ext cx="2276475" cy="800100"/>
           </a:xfrm>
           <a:prstGeom prst="rect">
@@ -4226,88 +5244,6 @@
       <p:pic>
         <p:nvPicPr>
           <p:cNvPr id="1032" name="Picture 8" descr="http://www.underconsideration.com/brandnew/archives/upwork_logo_detail.png"/>
-          <p:cNvPicPr>
-            <a:picLocks noChangeAspect="1" noChangeArrowheads="1"/>
-          </p:cNvPicPr>
-          <p:nvPr/>
-        </p:nvPicPr>
-        <p:blipFill>
-          <a:blip r:embed="rId5" cstate="print">
-            <a:extLst>
-              <a:ext uri="{28A0092B-C50C-407E-A947-70E740481C1C}">
-                <a14:useLocalDpi xmlns:a14="http://schemas.microsoft.com/office/drawing/2010/main" val="0"/>
-              </a:ext>
-            </a:extLst>
-          </a:blip>
-          <a:srcRect/>
-          <a:stretch>
-            <a:fillRect/>
-          </a:stretch>
-        </p:blipFill>
-        <p:spPr bwMode="auto">
-          <a:xfrm>
-            <a:off x="8501496" y="3922943"/>
-            <a:ext cx="2241937" cy="661372"/>
-          </a:xfrm>
-          <a:prstGeom prst="rect">
-            <a:avLst/>
-          </a:prstGeom>
-          <a:noFill/>
-          <a:extLst>
-            <a:ext uri="{909E8E84-426E-40DD-AFC4-6F175D3DCCD1}">
-              <a14:hiddenFill xmlns:a14="http://schemas.microsoft.com/office/drawing/2010/main">
-                <a:solidFill>
-                  <a:srgbClr val="FFFFFF"/>
-                </a:solidFill>
-              </a14:hiddenFill>
-            </a:ext>
-          </a:extLst>
-        </p:spPr>
-      </p:pic>
-      <p:pic>
-        <p:nvPicPr>
-          <p:cNvPr id="1034" name="Picture 10" descr="http://blog.navut.com/wp-content/uploads/2015/02/Elance-logo1.jpg"/>
-          <p:cNvPicPr>
-            <a:picLocks noChangeAspect="1" noChangeArrowheads="1"/>
-          </p:cNvPicPr>
-          <p:nvPr/>
-        </p:nvPicPr>
-        <p:blipFill>
-          <a:blip r:embed="rId6" cstate="print">
-            <a:extLst>
-              <a:ext uri="{28A0092B-C50C-407E-A947-70E740481C1C}">
-                <a14:useLocalDpi xmlns:a14="http://schemas.microsoft.com/office/drawing/2010/main" val="0"/>
-              </a:ext>
-            </a:extLst>
-          </a:blip>
-          <a:srcRect/>
-          <a:stretch>
-            <a:fillRect/>
-          </a:stretch>
-        </p:blipFill>
-        <p:spPr bwMode="auto">
-          <a:xfrm>
-            <a:off x="1372824" y="3987870"/>
-            <a:ext cx="1963157" cy="710078"/>
-          </a:xfrm>
-          <a:prstGeom prst="rect">
-            <a:avLst/>
-          </a:prstGeom>
-          <a:noFill/>
-          <a:extLst>
-            <a:ext uri="{909E8E84-426E-40DD-AFC4-6F175D3DCCD1}">
-              <a14:hiddenFill xmlns:a14="http://schemas.microsoft.com/office/drawing/2010/main">
-                <a:solidFill>
-                  <a:srgbClr val="FFFFFF"/>
-                </a:solidFill>
-              </a14:hiddenFill>
-            </a:ext>
-          </a:extLst>
-        </p:spPr>
-      </p:pic>
-      <p:pic>
-        <p:nvPicPr>
-          <p:cNvPr id="1036" name="Picture 12" descr="https://2q72xc49mze8bkcog2f01nlh-wpengine.netdna-ssl.com/wp-content/uploads/2011/12/New-Logo-Vertical-Dark.jpg"/>
           <p:cNvPicPr>
             <a:picLocks noChangeAspect="1" noChangeArrowheads="1"/>
           </p:cNvPicPr>
@@ -4328,8 +5264,8 @@
         </p:blipFill>
         <p:spPr bwMode="auto">
           <a:xfrm>
-            <a:off x="7278129" y="4679042"/>
-            <a:ext cx="2098288" cy="2098288"/>
+            <a:off x="6767575" y="5716833"/>
+            <a:ext cx="2241937" cy="661372"/>
           </a:xfrm>
           <a:prstGeom prst="rect">
             <a:avLst/>
@@ -4348,14 +5284,14 @@
       </p:pic>
       <p:pic>
         <p:nvPicPr>
-          <p:cNvPr id="1038" name="Picture 14" descr="http://www.jacando.com/assets/jacando_logo_box.png"/>
+          <p:cNvPr id="1034" name="Picture 10" descr="http://blog.navut.com/wp-content/uploads/2015/02/Elance-logo1.jpg"/>
           <p:cNvPicPr>
             <a:picLocks noChangeAspect="1" noChangeArrowheads="1"/>
           </p:cNvPicPr>
           <p:nvPr/>
         </p:nvPicPr>
         <p:blipFill>
-          <a:blip r:embed="rId8">
+          <a:blip r:embed="rId8" cstate="print">
             <a:extLst>
               <a:ext uri="{28A0092B-C50C-407E-A947-70E740481C1C}">
                 <a14:useLocalDpi xmlns:a14="http://schemas.microsoft.com/office/drawing/2010/main" val="0"/>
@@ -4369,8 +5305,8 @@
         </p:blipFill>
         <p:spPr bwMode="auto">
           <a:xfrm>
-            <a:off x="2219877" y="2074781"/>
-            <a:ext cx="1085850" cy="1085850"/>
+            <a:off x="1962470" y="2109060"/>
+            <a:ext cx="1963157" cy="710078"/>
           </a:xfrm>
           <a:prstGeom prst="rect">
             <a:avLst/>
@@ -4389,6 +5325,88 @@
       </p:pic>
       <p:pic>
         <p:nvPicPr>
+          <p:cNvPr id="1036" name="Picture 12" descr="https://2q72xc49mze8bkcog2f01nlh-wpengine.netdna-ssl.com/wp-content/uploads/2011/12/New-Logo-Vertical-Dark.jpg"/>
+          <p:cNvPicPr>
+            <a:picLocks noChangeAspect="1" noChangeArrowheads="1"/>
+          </p:cNvPicPr>
+          <p:nvPr/>
+        </p:nvPicPr>
+        <p:blipFill>
+          <a:blip r:embed="rId9" cstate="print">
+            <a:extLst>
+              <a:ext uri="{28A0092B-C50C-407E-A947-70E740481C1C}">
+                <a14:useLocalDpi xmlns:a14="http://schemas.microsoft.com/office/drawing/2010/main" val="0"/>
+              </a:ext>
+            </a:extLst>
+          </a:blip>
+          <a:srcRect/>
+          <a:stretch>
+            <a:fillRect/>
+          </a:stretch>
+        </p:blipFill>
+        <p:spPr bwMode="auto">
+          <a:xfrm>
+            <a:off x="745010" y="4491420"/>
+            <a:ext cx="2098288" cy="2098288"/>
+          </a:xfrm>
+          <a:prstGeom prst="rect">
+            <a:avLst/>
+          </a:prstGeom>
+          <a:noFill/>
+          <a:extLst>
+            <a:ext uri="{909E8E84-426E-40DD-AFC4-6F175D3DCCD1}">
+              <a14:hiddenFill xmlns:a14="http://schemas.microsoft.com/office/drawing/2010/main">
+                <a:solidFill>
+                  <a:srgbClr val="FFFFFF"/>
+                </a:solidFill>
+              </a14:hiddenFill>
+            </a:ext>
+          </a:extLst>
+        </p:spPr>
+      </p:pic>
+      <p:pic>
+        <p:nvPicPr>
+          <p:cNvPr id="1038" name="Picture 14" descr="http://www.jacando.com/assets/jacando_logo_box.png"/>
+          <p:cNvPicPr>
+            <a:picLocks noChangeAspect="1" noChangeArrowheads="1"/>
+          </p:cNvPicPr>
+          <p:nvPr/>
+        </p:nvPicPr>
+        <p:blipFill>
+          <a:blip r:embed="rId10">
+            <a:extLst>
+              <a:ext uri="{28A0092B-C50C-407E-A947-70E740481C1C}">
+                <a14:useLocalDpi xmlns:a14="http://schemas.microsoft.com/office/drawing/2010/main" val="0"/>
+              </a:ext>
+            </a:extLst>
+          </a:blip>
+          <a:srcRect/>
+          <a:stretch>
+            <a:fillRect/>
+          </a:stretch>
+        </p:blipFill>
+        <p:spPr bwMode="auto">
+          <a:xfrm>
+            <a:off x="555983" y="1899198"/>
+            <a:ext cx="1085850" cy="1085850"/>
+          </a:xfrm>
+          <a:prstGeom prst="rect">
+            <a:avLst/>
+          </a:prstGeom>
+          <a:noFill/>
+          <a:extLst>
+            <a:ext uri="{909E8E84-426E-40DD-AFC4-6F175D3DCCD1}">
+              <a14:hiddenFill xmlns:a14="http://schemas.microsoft.com/office/drawing/2010/main">
+                <a:solidFill>
+                  <a:srgbClr val="FFFFFF"/>
+                </a:solidFill>
+              </a14:hiddenFill>
+            </a:ext>
+          </a:extLst>
+        </p:spPr>
+      </p:pic>
+      <p:pic>
+        <p:nvPicPr>
           <p:cNvPr id="2056" name="Picture 8" descr="http://www.businessblogshub.com/wp-content/uploads/2012/09/crying-baby.jpg"/>
           <p:cNvPicPr>
             <a:picLocks noChangeAspect="1" noChangeArrowheads="1"/>
@@ -4396,7 +5414,7 @@
           <p:nvPr/>
         </p:nvPicPr>
         <p:blipFill>
-          <a:blip r:embed="rId9">
+          <a:blip r:embed="rId11">
             <a:extLst>
               <a:ext uri="{28A0092B-C50C-407E-A947-70E740481C1C}">
                 <a14:useLocalDpi xmlns:a14="http://schemas.microsoft.com/office/drawing/2010/main" val="0"/>
@@ -4426,66 +5444,6 @@
               </a14:hiddenFill>
             </a:ext>
           </a:extLst>
-        </p:spPr>
-      </p:pic>
-      <p:pic>
-        <p:nvPicPr>
-          <p:cNvPr id="15" name="Picture 14"/>
-          <p:cNvPicPr>
-            <a:picLocks noChangeAspect="1"/>
-          </p:cNvPicPr>
-          <p:nvPr/>
-        </p:nvPicPr>
-        <p:blipFill>
-          <a:blip r:embed="rId10" cstate="print">
-            <a:extLst>
-              <a:ext uri="{28A0092B-C50C-407E-A947-70E740481C1C}">
-                <a14:useLocalDpi xmlns:a14="http://schemas.microsoft.com/office/drawing/2010/main" val="0"/>
-              </a:ext>
-            </a:extLst>
-          </a:blip>
-          <a:stretch>
-            <a:fillRect/>
-          </a:stretch>
-        </p:blipFill>
-        <p:spPr>
-          <a:xfrm rot="1754322">
-            <a:off x="6636602" y="2333865"/>
-            <a:ext cx="4780357" cy="3308007"/>
-          </a:xfrm>
-          <a:prstGeom prst="rect">
-            <a:avLst/>
-          </a:prstGeom>
-        </p:spPr>
-      </p:pic>
-      <p:pic>
-        <p:nvPicPr>
-          <p:cNvPr id="16" name="Picture 15"/>
-          <p:cNvPicPr>
-            <a:picLocks noChangeAspect="1"/>
-          </p:cNvPicPr>
-          <p:nvPr/>
-        </p:nvPicPr>
-        <p:blipFill>
-          <a:blip r:embed="rId11" cstate="print">
-            <a:extLst>
-              <a:ext uri="{28A0092B-C50C-407E-A947-70E740481C1C}">
-                <a14:useLocalDpi xmlns:a14="http://schemas.microsoft.com/office/drawing/2010/main" val="0"/>
-              </a:ext>
-            </a:extLst>
-          </a:blip>
-          <a:stretch>
-            <a:fillRect/>
-          </a:stretch>
-        </p:blipFill>
-        <p:spPr>
-          <a:xfrm>
-            <a:off x="181864" y="2924935"/>
-            <a:ext cx="4345076" cy="2835948"/>
-          </a:xfrm>
-          <a:prstGeom prst="rect">
-            <a:avLst/>
-          </a:prstGeom>
         </p:spPr>
       </p:pic>
     </p:spTree>
@@ -4698,78 +5656,6 @@
                                         </p:cTn>
                                         <p:tgtEl>
                                           <p:spTgt spid="1030"/>
-                                        </p:tgtEl>
-                                        <p:attrNameLst>
-                                          <p:attrName>style.visibility</p:attrName>
-                                        </p:attrNameLst>
-                                      </p:cBhvr>
-                                      <p:to>
-                                        <p:strVal val="visible"/>
-                                      </p:to>
-                                    </p:set>
-                                  </p:childTnLst>
-                                </p:cTn>
-                              </p:par>
-                            </p:childTnLst>
-                          </p:cTn>
-                        </p:par>
-                      </p:childTnLst>
-                    </p:cTn>
-                  </p:par>
-                  <p:par>
-                    <p:cTn id="19" fill="hold">
-                      <p:stCondLst>
-                        <p:cond delay="indefinite"/>
-                      </p:stCondLst>
-                      <p:childTnLst>
-                        <p:par>
-                          <p:cTn id="20" fill="hold">
-                            <p:stCondLst>
-                              <p:cond delay="0"/>
-                            </p:stCondLst>
-                            <p:childTnLst>
-                              <p:par>
-                                <p:cTn id="21" presetID="1" presetClass="entr" presetSubtype="0" fill="hold" nodeType="clickEffect">
-                                  <p:stCondLst>
-                                    <p:cond delay="0"/>
-                                  </p:stCondLst>
-                                  <p:childTnLst>
-                                    <p:set>
-                                      <p:cBhvr>
-                                        <p:cTn id="22" dur="1" fill="hold">
-                                          <p:stCondLst>
-                                            <p:cond delay="0"/>
-                                          </p:stCondLst>
-                                        </p:cTn>
-                                        <p:tgtEl>
-                                          <p:spTgt spid="16"/>
-                                        </p:tgtEl>
-                                        <p:attrNameLst>
-                                          <p:attrName>style.visibility</p:attrName>
-                                        </p:attrNameLst>
-                                      </p:cBhvr>
-                                      <p:to>
-                                        <p:strVal val="visible"/>
-                                      </p:to>
-                                    </p:set>
-                                  </p:childTnLst>
-                                </p:cTn>
-                              </p:par>
-                              <p:par>
-                                <p:cTn id="23" presetID="1" presetClass="entr" presetSubtype="0" fill="hold" nodeType="withEffect">
-                                  <p:stCondLst>
-                                    <p:cond delay="0"/>
-                                  </p:stCondLst>
-                                  <p:childTnLst>
-                                    <p:set>
-                                      <p:cBhvr>
-                                        <p:cTn id="24" dur="1" fill="hold">
-                                          <p:stCondLst>
-                                            <p:cond delay="0"/>
-                                          </p:stCondLst>
-                                        </p:cTn>
-                                        <p:tgtEl>
-                                          <p:spTgt spid="15"/>
                                         </p:tgtEl>
                                         <p:attrNameLst>
                                           <p:attrName>style.visibility</p:attrName>
@@ -4867,7 +5753,7 @@
           <p:nvPr/>
         </p:nvPicPr>
         <p:blipFill>
-          <a:blip r:embed="rId2" cstate="print">
+          <a:blip r:embed="rId3" cstate="print">
             <a:extLst>
               <a:ext uri="{28A0092B-C50C-407E-A947-70E740481C1C}">
                 <a14:useLocalDpi xmlns:a14="http://schemas.microsoft.com/office/drawing/2010/main" val="0"/>
@@ -4897,7 +5783,7 @@
           <p:nvPr/>
         </p:nvPicPr>
         <p:blipFill>
-          <a:blip r:embed="rId3" cstate="print">
+          <a:blip r:embed="rId4" cstate="print">
             <a:extLst>
               <a:ext uri="{28A0092B-C50C-407E-A947-70E740481C1C}">
                 <a14:useLocalDpi xmlns:a14="http://schemas.microsoft.com/office/drawing/2010/main" val="0"/>
@@ -4927,7 +5813,7 @@
           <p:nvPr/>
         </p:nvPicPr>
         <p:blipFill>
-          <a:blip r:embed="rId4">
+          <a:blip r:embed="rId5">
             <a:extLst>
               <a:ext uri="{28A0092B-C50C-407E-A947-70E740481C1C}">
                 <a14:useLocalDpi xmlns:a14="http://schemas.microsoft.com/office/drawing/2010/main" val="0"/>
@@ -4957,7 +5843,7 @@
           <p:nvPr/>
         </p:nvPicPr>
         <p:blipFill>
-          <a:blip r:embed="rId5" cstate="print">
+          <a:blip r:embed="rId6" cstate="print">
             <a:duotone>
               <a:schemeClr val="accent6">
                 <a:shade val="45000"/>
@@ -4994,7 +5880,7 @@
           <p:nvPr/>
         </p:nvPicPr>
         <p:blipFill>
-          <a:blip r:embed="rId5" cstate="print">
+          <a:blip r:embed="rId6" cstate="print">
             <a:duotone>
               <a:schemeClr val="accent6">
                 <a:shade val="45000"/>
@@ -5031,7 +5917,7 @@
           <p:nvPr/>
         </p:nvPicPr>
         <p:blipFill>
-          <a:blip r:embed="rId6" cstate="print">
+          <a:blip r:embed="rId7" cstate="print">
             <a:extLst>
               <a:ext uri="{28A0092B-C50C-407E-A947-70E740481C1C}">
                 <a14:useLocalDpi xmlns:a14="http://schemas.microsoft.com/office/drawing/2010/main" val="0"/>
@@ -5061,7 +5947,7 @@
           <p:nvPr/>
         </p:nvPicPr>
         <p:blipFill>
-          <a:blip r:embed="rId5" cstate="print">
+          <a:blip r:embed="rId6" cstate="print">
             <a:duotone>
               <a:schemeClr val="accent6">
                 <a:shade val="45000"/>
@@ -5098,7 +5984,7 @@
           <p:nvPr/>
         </p:nvPicPr>
         <p:blipFill>
-          <a:blip r:embed="rId5" cstate="print">
+          <a:blip r:embed="rId6" cstate="print">
             <a:duotone>
               <a:schemeClr val="accent6">
                 <a:shade val="45000"/>
@@ -5300,7 +6186,7 @@
           <p:nvPr/>
         </p:nvPicPr>
         <p:blipFill>
-          <a:blip r:embed="rId7" cstate="print">
+          <a:blip r:embed="rId8" cstate="print">
             <a:duotone>
               <a:schemeClr val="accent6">
                 <a:shade val="45000"/>
@@ -5457,7 +6343,7 @@
           <p:nvPr/>
         </p:nvPicPr>
         <p:blipFill>
-          <a:blip r:embed="rId8" cstate="print">
+          <a:blip r:embed="rId9" cstate="print">
             <a:extLst>
               <a:ext uri="{28A0092B-C50C-407E-A947-70E740481C1C}">
                 <a14:useLocalDpi xmlns:a14="http://schemas.microsoft.com/office/drawing/2010/main" val="0"/>
@@ -5492,129 +6378,6 @@
       <p:pic>
         <p:nvPicPr>
           <p:cNvPr id="34" name="Picture 2" descr="https://cdn0.iconfinder.com/data/icons/files-documents/512/YPS__file_document_to_sign_signature_signed_sign_sheet_contract_paper_page_text-512.png"/>
-          <p:cNvPicPr>
-            <a:picLocks noChangeAspect="1" noChangeArrowheads="1"/>
-          </p:cNvPicPr>
-          <p:nvPr/>
-        </p:nvPicPr>
-        <p:blipFill>
-          <a:blip r:embed="rId8" cstate="print">
-            <a:extLst>
-              <a:ext uri="{28A0092B-C50C-407E-A947-70E740481C1C}">
-                <a14:useLocalDpi xmlns:a14="http://schemas.microsoft.com/office/drawing/2010/main" val="0"/>
-              </a:ext>
-            </a:extLst>
-          </a:blip>
-          <a:srcRect/>
-          <a:stretch>
-            <a:fillRect/>
-          </a:stretch>
-        </p:blipFill>
-        <p:spPr bwMode="auto">
-          <a:xfrm>
-            <a:off x="3789295" y="4828547"/>
-            <a:ext cx="931555" cy="931555"/>
-          </a:xfrm>
-          <a:prstGeom prst="rect">
-            <a:avLst/>
-          </a:prstGeom>
-          <a:noFill/>
-          <a:extLst>
-            <a:ext uri="{909E8E84-426E-40DD-AFC4-6F175D3DCCD1}">
-              <a14:hiddenFill xmlns:a14="http://schemas.microsoft.com/office/drawing/2010/main">
-                <a:solidFill>
-                  <a:srgbClr val="FFFFFF"/>
-                </a:solidFill>
-              </a14:hiddenFill>
-            </a:ext>
-          </a:extLst>
-        </p:spPr>
-      </p:pic>
-      <p:pic>
-        <p:nvPicPr>
-          <p:cNvPr id="35" name="Picture 2" descr="https://cdn0.iconfinder.com/data/icons/files-documents/512/YPS__file_document_to_sign_signature_signed_sign_sheet_contract_paper_page_text-512.png"/>
-          <p:cNvPicPr>
-            <a:picLocks noChangeAspect="1" noChangeArrowheads="1"/>
-          </p:cNvPicPr>
-          <p:nvPr/>
-        </p:nvPicPr>
-        <p:blipFill>
-          <a:blip r:embed="rId8" cstate="print">
-            <a:extLst>
-              <a:ext uri="{28A0092B-C50C-407E-A947-70E740481C1C}">
-                <a14:useLocalDpi xmlns:a14="http://schemas.microsoft.com/office/drawing/2010/main" val="0"/>
-              </a:ext>
-            </a:extLst>
-          </a:blip>
-          <a:srcRect/>
-          <a:stretch>
-            <a:fillRect/>
-          </a:stretch>
-        </p:blipFill>
-        <p:spPr bwMode="auto">
-          <a:xfrm>
-            <a:off x="7024226" y="1646387"/>
-            <a:ext cx="931555" cy="931555"/>
-          </a:xfrm>
-          <a:prstGeom prst="rect">
-            <a:avLst/>
-          </a:prstGeom>
-          <a:noFill/>
-          <a:extLst>
-            <a:ext uri="{909E8E84-426E-40DD-AFC4-6F175D3DCCD1}">
-              <a14:hiddenFill xmlns:a14="http://schemas.microsoft.com/office/drawing/2010/main">
-                <a:solidFill>
-                  <a:srgbClr val="FFFFFF"/>
-                </a:solidFill>
-              </a14:hiddenFill>
-            </a:ext>
-          </a:extLst>
-        </p:spPr>
-      </p:pic>
-      <p:pic>
-        <p:nvPicPr>
-          <p:cNvPr id="36" name="Picture 2" descr="https://cdn0.iconfinder.com/data/icons/files-documents/512/YPS__file_document_to_sign_signature_signed_sign_sheet_contract_paper_page_text-512.png"/>
-          <p:cNvPicPr>
-            <a:picLocks noChangeAspect="1" noChangeArrowheads="1"/>
-          </p:cNvPicPr>
-          <p:nvPr/>
-        </p:nvPicPr>
-        <p:blipFill>
-          <a:blip r:embed="rId8" cstate="print">
-            <a:extLst>
-              <a:ext uri="{28A0092B-C50C-407E-A947-70E740481C1C}">
-                <a14:useLocalDpi xmlns:a14="http://schemas.microsoft.com/office/drawing/2010/main" val="0"/>
-              </a:ext>
-            </a:extLst>
-          </a:blip>
-          <a:srcRect/>
-          <a:stretch>
-            <a:fillRect/>
-          </a:stretch>
-        </p:blipFill>
-        <p:spPr bwMode="auto">
-          <a:xfrm>
-            <a:off x="6998266" y="4828547"/>
-            <a:ext cx="931555" cy="931555"/>
-          </a:xfrm>
-          <a:prstGeom prst="rect">
-            <a:avLst/>
-          </a:prstGeom>
-          <a:noFill/>
-          <a:extLst>
-            <a:ext uri="{909E8E84-426E-40DD-AFC4-6F175D3DCCD1}">
-              <a14:hiddenFill xmlns:a14="http://schemas.microsoft.com/office/drawing/2010/main">
-                <a:solidFill>
-                  <a:srgbClr val="FFFFFF"/>
-                </a:solidFill>
-              </a14:hiddenFill>
-            </a:ext>
-          </a:extLst>
-        </p:spPr>
-      </p:pic>
-      <p:pic>
-        <p:nvPicPr>
-          <p:cNvPr id="7172" name="Picture 4" descr="https://image.freepik.com/free-icon/baby-face_318-61853.jpg"/>
           <p:cNvPicPr>
             <a:picLocks noChangeAspect="1" noChangeArrowheads="1"/>
           </p:cNvPicPr>
@@ -5635,8 +6398,8 @@
         </p:blipFill>
         <p:spPr bwMode="auto">
           <a:xfrm>
-            <a:off x="8552015" y="4548650"/>
-            <a:ext cx="1003275" cy="1003275"/>
+            <a:off x="3789295" y="4828547"/>
+            <a:ext cx="931555" cy="931555"/>
           </a:xfrm>
           <a:prstGeom prst="rect">
             <a:avLst/>
@@ -5655,7 +6418,89 @@
       </p:pic>
       <p:pic>
         <p:nvPicPr>
-          <p:cNvPr id="7180" name="Picture 12" descr="https://image.freepik.com/free-icon/woman-with-a-dress-dancing_318-29589.png"/>
+          <p:cNvPr id="35" name="Picture 2" descr="https://cdn0.iconfinder.com/data/icons/files-documents/512/YPS__file_document_to_sign_signature_signed_sign_sheet_contract_paper_page_text-512.png"/>
+          <p:cNvPicPr>
+            <a:picLocks noChangeAspect="1" noChangeArrowheads="1"/>
+          </p:cNvPicPr>
+          <p:nvPr/>
+        </p:nvPicPr>
+        <p:blipFill>
+          <a:blip r:embed="rId9" cstate="print">
+            <a:extLst>
+              <a:ext uri="{28A0092B-C50C-407E-A947-70E740481C1C}">
+                <a14:useLocalDpi xmlns:a14="http://schemas.microsoft.com/office/drawing/2010/main" val="0"/>
+              </a:ext>
+            </a:extLst>
+          </a:blip>
+          <a:srcRect/>
+          <a:stretch>
+            <a:fillRect/>
+          </a:stretch>
+        </p:blipFill>
+        <p:spPr bwMode="auto">
+          <a:xfrm>
+            <a:off x="7024226" y="1646387"/>
+            <a:ext cx="931555" cy="931555"/>
+          </a:xfrm>
+          <a:prstGeom prst="rect">
+            <a:avLst/>
+          </a:prstGeom>
+          <a:noFill/>
+          <a:extLst>
+            <a:ext uri="{909E8E84-426E-40DD-AFC4-6F175D3DCCD1}">
+              <a14:hiddenFill xmlns:a14="http://schemas.microsoft.com/office/drawing/2010/main">
+                <a:solidFill>
+                  <a:srgbClr val="FFFFFF"/>
+                </a:solidFill>
+              </a14:hiddenFill>
+            </a:ext>
+          </a:extLst>
+        </p:spPr>
+      </p:pic>
+      <p:pic>
+        <p:nvPicPr>
+          <p:cNvPr id="36" name="Picture 2" descr="https://cdn0.iconfinder.com/data/icons/files-documents/512/YPS__file_document_to_sign_signature_signed_sign_sheet_contract_paper_page_text-512.png"/>
+          <p:cNvPicPr>
+            <a:picLocks noChangeAspect="1" noChangeArrowheads="1"/>
+          </p:cNvPicPr>
+          <p:nvPr/>
+        </p:nvPicPr>
+        <p:blipFill>
+          <a:blip r:embed="rId9" cstate="print">
+            <a:extLst>
+              <a:ext uri="{28A0092B-C50C-407E-A947-70E740481C1C}">
+                <a14:useLocalDpi xmlns:a14="http://schemas.microsoft.com/office/drawing/2010/main" val="0"/>
+              </a:ext>
+            </a:extLst>
+          </a:blip>
+          <a:srcRect/>
+          <a:stretch>
+            <a:fillRect/>
+          </a:stretch>
+        </p:blipFill>
+        <p:spPr bwMode="auto">
+          <a:xfrm>
+            <a:off x="6998266" y="4828547"/>
+            <a:ext cx="931555" cy="931555"/>
+          </a:xfrm>
+          <a:prstGeom prst="rect">
+            <a:avLst/>
+          </a:prstGeom>
+          <a:noFill/>
+          <a:extLst>
+            <a:ext uri="{909E8E84-426E-40DD-AFC4-6F175D3DCCD1}">
+              <a14:hiddenFill xmlns:a14="http://schemas.microsoft.com/office/drawing/2010/main">
+                <a:solidFill>
+                  <a:srgbClr val="FFFFFF"/>
+                </a:solidFill>
+              </a14:hiddenFill>
+            </a:ext>
+          </a:extLst>
+        </p:spPr>
+      </p:pic>
+      <p:pic>
+        <p:nvPicPr>
+          <p:cNvPr id="7172" name="Picture 4" descr="https://image.freepik.com/free-icon/baby-face_318-61853.jpg"/>
           <p:cNvPicPr>
             <a:picLocks noChangeAspect="1" noChangeArrowheads="1"/>
           </p:cNvPicPr>
@@ -5676,8 +6521,8 @@
         </p:blipFill>
         <p:spPr bwMode="auto">
           <a:xfrm>
-            <a:off x="9637681" y="4030290"/>
-            <a:ext cx="1380262" cy="1380262"/>
+            <a:off x="8552015" y="4548650"/>
+            <a:ext cx="1003275" cy="1003275"/>
           </a:xfrm>
           <a:prstGeom prst="rect">
             <a:avLst/>
@@ -5696,6 +6541,47 @@
       </p:pic>
       <p:pic>
         <p:nvPicPr>
+          <p:cNvPr id="7180" name="Picture 12" descr="https://image.freepik.com/free-icon/woman-with-a-dress-dancing_318-29589.png"/>
+          <p:cNvPicPr>
+            <a:picLocks noChangeAspect="1" noChangeArrowheads="1"/>
+          </p:cNvPicPr>
+          <p:nvPr/>
+        </p:nvPicPr>
+        <p:blipFill>
+          <a:blip r:embed="rId11" cstate="print">
+            <a:extLst>
+              <a:ext uri="{28A0092B-C50C-407E-A947-70E740481C1C}">
+                <a14:useLocalDpi xmlns:a14="http://schemas.microsoft.com/office/drawing/2010/main" val="0"/>
+              </a:ext>
+            </a:extLst>
+          </a:blip>
+          <a:srcRect/>
+          <a:stretch>
+            <a:fillRect/>
+          </a:stretch>
+        </p:blipFill>
+        <p:spPr bwMode="auto">
+          <a:xfrm>
+            <a:off x="9637681" y="4030290"/>
+            <a:ext cx="1380262" cy="1380262"/>
+          </a:xfrm>
+          <a:prstGeom prst="rect">
+            <a:avLst/>
+          </a:prstGeom>
+          <a:noFill/>
+          <a:extLst>
+            <a:ext uri="{909E8E84-426E-40DD-AFC4-6F175D3DCCD1}">
+              <a14:hiddenFill xmlns:a14="http://schemas.microsoft.com/office/drawing/2010/main">
+                <a:solidFill>
+                  <a:srgbClr val="FFFFFF"/>
+                </a:solidFill>
+              </a14:hiddenFill>
+            </a:ext>
+          </a:extLst>
+        </p:spPr>
+      </p:pic>
+      <p:pic>
+        <p:nvPicPr>
           <p:cNvPr id="42" name="Picture 2" descr="https://cdn0.iconfinder.com/data/icons/files-documents/512/YPS__file_document_to_sign_signature_signed_sign_sheet_contract_paper_page_text-512.png"/>
           <p:cNvPicPr>
             <a:picLocks noChangeAspect="1" noChangeArrowheads="1"/>
@@ -5703,7 +6589,7 @@
           <p:nvPr/>
         </p:nvPicPr>
         <p:blipFill>
-          <a:blip r:embed="rId8" cstate="print">
+          <a:blip r:embed="rId9" cstate="print">
             <a:extLst>
               <a:ext uri="{28A0092B-C50C-407E-A947-70E740481C1C}">
                 <a14:useLocalDpi xmlns:a14="http://schemas.microsoft.com/office/drawing/2010/main" val="0"/>
@@ -5744,7 +6630,7 @@
           <p:nvPr/>
         </p:nvPicPr>
         <p:blipFill>
-          <a:blip r:embed="rId8" cstate="print">
+          <a:blip r:embed="rId9" cstate="print">
             <a:extLst>
               <a:ext uri="{28A0092B-C50C-407E-A947-70E740481C1C}">
                 <a14:useLocalDpi xmlns:a14="http://schemas.microsoft.com/office/drawing/2010/main" val="0"/>
@@ -5785,7 +6671,7 @@
           <p:nvPr/>
         </p:nvPicPr>
         <p:blipFill>
-          <a:blip r:embed="rId8" cstate="print">
+          <a:blip r:embed="rId9" cstate="print">
             <a:extLst>
               <a:ext uri="{28A0092B-C50C-407E-A947-70E740481C1C}">
                 <a14:useLocalDpi xmlns:a14="http://schemas.microsoft.com/office/drawing/2010/main" val="0"/>
@@ -5826,7 +6712,7 @@
           <p:nvPr/>
         </p:nvPicPr>
         <p:blipFill>
-          <a:blip r:embed="rId8" cstate="print">
+          <a:blip r:embed="rId9" cstate="print">
             <a:extLst>
               <a:ext uri="{28A0092B-C50C-407E-A947-70E740481C1C}">
                 <a14:useLocalDpi xmlns:a14="http://schemas.microsoft.com/office/drawing/2010/main" val="0"/>
@@ -5915,33 +6801,15 @@
                                   </p:childTnLst>
                                 </p:cTn>
                               </p:par>
-                            </p:childTnLst>
-                          </p:cTn>
-                        </p:par>
-                      </p:childTnLst>
-                    </p:cTn>
-                  </p:par>
-                  <p:par>
-                    <p:cTn id="7" fill="hold">
-                      <p:stCondLst>
-                        <p:cond delay="indefinite"/>
-                      </p:stCondLst>
-                      <p:childTnLst>
-                        <p:par>
-                          <p:cTn id="8" fill="hold">
-                            <p:stCondLst>
-                              <p:cond delay="0"/>
-                            </p:stCondLst>
-                            <p:childTnLst>
                               <p:par>
-                                <p:cTn id="9" presetID="1" presetClass="entr" presetSubtype="0" fill="hold" nodeType="clickEffect">
+                                <p:cTn id="7" presetID="1" presetClass="entr" presetSubtype="0" fill="hold" nodeType="withEffect">
                                   <p:stCondLst>
                                     <p:cond delay="0"/>
                                   </p:stCondLst>
                                   <p:childTnLst>
                                     <p:set>
                                       <p:cBhvr>
-                                        <p:cTn id="10" dur="1" fill="hold">
+                                        <p:cTn id="8" dur="1" fill="hold">
                                           <p:stCondLst>
                                             <p:cond delay="0"/>
                                           </p:stCondLst>
@@ -5967,32 +6835,59 @@
                     </p:cTn>
                   </p:par>
                   <p:par>
-                    <p:cTn id="11" fill="hold">
+                    <p:cTn id="9" fill="hold">
                       <p:stCondLst>
                         <p:cond delay="indefinite"/>
                       </p:stCondLst>
                       <p:childTnLst>
                         <p:par>
-                          <p:cTn id="12" fill="hold">
+                          <p:cTn id="10" fill="hold">
                             <p:stCondLst>
                               <p:cond delay="0"/>
                             </p:stCondLst>
                             <p:childTnLst>
                               <p:par>
-                                <p:cTn id="13" presetID="1" presetClass="entr" presetSubtype="0" fill="hold" nodeType="clickEffect">
+                                <p:cTn id="11" presetID="1" presetClass="entr" presetSubtype="0" fill="hold" nodeType="clickEffect">
                                   <p:stCondLst>
                                     <p:cond delay="0"/>
                                   </p:stCondLst>
                                   <p:childTnLst>
                                     <p:set>
                                       <p:cBhvr>
+                                        <p:cTn id="12" dur="1" fill="hold">
+                                          <p:stCondLst>
+                                            <p:cond delay="0"/>
+                                          </p:stCondLst>
+                                        </p:cTn>
+                                        <p:tgtEl>
+                                          <p:spTgt spid="14"/>
+                                        </p:tgtEl>
+                                        <p:attrNameLst>
+                                          <p:attrName>style.visibility</p:attrName>
+                                        </p:attrNameLst>
+                                      </p:cBhvr>
+                                      <p:to>
+                                        <p:strVal val="visible"/>
+                                      </p:to>
+                                    </p:set>
+                                  </p:childTnLst>
+                                </p:cTn>
+                              </p:par>
+                              <p:par>
+                                <p:cTn id="13" presetID="1" presetClass="entr" presetSubtype="0" fill="hold" nodeType="withEffect">
+                                  <p:stCondLst>
+                                    <p:cond delay="0"/>
+                                  </p:stCondLst>
+                                  <p:childTnLst>
+                                    <p:set>
+                                      <p:cBhvr>
                                         <p:cTn id="14" dur="1" fill="hold">
                                           <p:stCondLst>
                                             <p:cond delay="0"/>
                                           </p:stCondLst>
                                         </p:cTn>
                                         <p:tgtEl>
-                                          <p:spTgt spid="14"/>
+                                          <p:spTgt spid="15"/>
                                         </p:tgtEl>
                                         <p:attrNameLst>
                                           <p:attrName>style.visibility</p:attrName>
@@ -6019,7 +6914,7 @@
                                           </p:stCondLst>
                                         </p:cTn>
                                         <p:tgtEl>
-                                          <p:spTgt spid="15"/>
+                                          <p:spTgt spid="8"/>
                                         </p:tgtEl>
                                         <p:attrNameLst>
                                           <p:attrName>style.visibility</p:attrName>
@@ -6046,33 +6941,6 @@
                                           </p:stCondLst>
                                         </p:cTn>
                                         <p:tgtEl>
-                                          <p:spTgt spid="8"/>
-                                        </p:tgtEl>
-                                        <p:attrNameLst>
-                                          <p:attrName>style.visibility</p:attrName>
-                                        </p:attrNameLst>
-                                      </p:cBhvr>
-                                      <p:to>
-                                        <p:strVal val="visible"/>
-                                      </p:to>
-                                    </p:set>
-                                  </p:childTnLst>
-                                </p:cTn>
-                              </p:par>
-                              <p:par>
-                                <p:cTn id="19" presetID="1" presetClass="entr" presetSubtype="0" fill="hold" nodeType="withEffect">
-                                  <p:stCondLst>
-                                    <p:cond delay="0"/>
-                                  </p:stCondLst>
-                                  <p:childTnLst>
-                                    <p:set>
-                                      <p:cBhvr>
-                                        <p:cTn id="20" dur="1" fill="hold">
-                                          <p:stCondLst>
-                                            <p:cond delay="0"/>
-                                          </p:stCondLst>
-                                        </p:cTn>
-                                        <p:tgtEl>
                                           <p:spTgt spid="11"/>
                                         </p:tgtEl>
                                         <p:attrNameLst>
@@ -6093,32 +6961,59 @@
                     </p:cTn>
                   </p:par>
                   <p:par>
-                    <p:cTn id="21" fill="hold">
+                    <p:cTn id="19" fill="hold">
                       <p:stCondLst>
                         <p:cond delay="indefinite"/>
                       </p:stCondLst>
                       <p:childTnLst>
                         <p:par>
-                          <p:cTn id="22" fill="hold">
+                          <p:cTn id="20" fill="hold">
                             <p:stCondLst>
                               <p:cond delay="0"/>
                             </p:stCondLst>
                             <p:childTnLst>
                               <p:par>
-                                <p:cTn id="23" presetID="1" presetClass="entr" presetSubtype="0" fill="hold" nodeType="clickEffect">
+                                <p:cTn id="21" presetID="1" presetClass="entr" presetSubtype="0" fill="hold" nodeType="clickEffect">
                                   <p:stCondLst>
                                     <p:cond delay="0"/>
                                   </p:stCondLst>
                                   <p:childTnLst>
                                     <p:set>
                                       <p:cBhvr>
+                                        <p:cTn id="22" dur="1" fill="hold">
+                                          <p:stCondLst>
+                                            <p:cond delay="0"/>
+                                          </p:stCondLst>
+                                        </p:cTn>
+                                        <p:tgtEl>
+                                          <p:spTgt spid="18"/>
+                                        </p:tgtEl>
+                                        <p:attrNameLst>
+                                          <p:attrName>style.visibility</p:attrName>
+                                        </p:attrNameLst>
+                                      </p:cBhvr>
+                                      <p:to>
+                                        <p:strVal val="visible"/>
+                                      </p:to>
+                                    </p:set>
+                                  </p:childTnLst>
+                                </p:cTn>
+                              </p:par>
+                              <p:par>
+                                <p:cTn id="23" presetID="1" presetClass="entr" presetSubtype="0" fill="hold" nodeType="withEffect">
+                                  <p:stCondLst>
+                                    <p:cond delay="0"/>
+                                  </p:stCondLst>
+                                  <p:childTnLst>
+                                    <p:set>
+                                      <p:cBhvr>
                                         <p:cTn id="24" dur="1" fill="hold">
                                           <p:stCondLst>
                                             <p:cond delay="0"/>
                                           </p:stCondLst>
                                         </p:cTn>
                                         <p:tgtEl>
-                                          <p:spTgt spid="18"/>
+                                          <p:spTgt spid="9"/>
                                         </p:tgtEl>
                                         <p:attrNameLst>
                                           <p:attrName>style.visibility</p:attrName>
@@ -6145,7 +7040,7 @@
                                           </p:stCondLst>
                                         </p:cTn>
                                         <p:tgtEl>
-                                          <p:spTgt spid="9"/>
+                                          <p:spTgt spid="20"/>
                                         </p:tgtEl>
                                         <p:attrNameLst>
                                           <p:attrName>style.visibility</p:attrName>
@@ -6172,33 +7067,6 @@
                                           </p:stCondLst>
                                         </p:cTn>
                                         <p:tgtEl>
-                                          <p:spTgt spid="20"/>
-                                        </p:tgtEl>
-                                        <p:attrNameLst>
-                                          <p:attrName>style.visibility</p:attrName>
-                                        </p:attrNameLst>
-                                      </p:cBhvr>
-                                      <p:to>
-                                        <p:strVal val="visible"/>
-                                      </p:to>
-                                    </p:set>
-                                  </p:childTnLst>
-                                </p:cTn>
-                              </p:par>
-                              <p:par>
-                                <p:cTn id="29" presetID="1" presetClass="entr" presetSubtype="0" fill="hold" nodeType="withEffect">
-                                  <p:stCondLst>
-                                    <p:cond delay="0"/>
-                                  </p:stCondLst>
-                                  <p:childTnLst>
-                                    <p:set>
-                                      <p:cBhvr>
-                                        <p:cTn id="30" dur="1" fill="hold">
-                                          <p:stCondLst>
-                                            <p:cond delay="0"/>
-                                          </p:stCondLst>
-                                        </p:cTn>
-                                        <p:tgtEl>
                                           <p:spTgt spid="12"/>
                                         </p:tgtEl>
                                         <p:attrNameLst>
@@ -6219,32 +7087,59 @@
                     </p:cTn>
                   </p:par>
                   <p:par>
-                    <p:cTn id="31" fill="hold">
+                    <p:cTn id="29" fill="hold">
                       <p:stCondLst>
                         <p:cond delay="indefinite"/>
                       </p:stCondLst>
                       <p:childTnLst>
                         <p:par>
-                          <p:cTn id="32" fill="hold">
+                          <p:cTn id="30" fill="hold">
                             <p:stCondLst>
                               <p:cond delay="0"/>
                             </p:stCondLst>
                             <p:childTnLst>
                               <p:par>
-                                <p:cTn id="33" presetID="1" presetClass="entr" presetSubtype="0" fill="hold" nodeType="clickEffect">
+                                <p:cTn id="31" presetID="1" presetClass="entr" presetSubtype="0" fill="hold" nodeType="clickEffect">
                                   <p:stCondLst>
                                     <p:cond delay="0"/>
                                   </p:stCondLst>
                                   <p:childTnLst>
                                     <p:set>
                                       <p:cBhvr>
+                                        <p:cTn id="32" dur="1" fill="hold">
+                                          <p:stCondLst>
+                                            <p:cond delay="0"/>
+                                          </p:stCondLst>
+                                        </p:cTn>
+                                        <p:tgtEl>
+                                          <p:spTgt spid="34"/>
+                                        </p:tgtEl>
+                                        <p:attrNameLst>
+                                          <p:attrName>style.visibility</p:attrName>
+                                        </p:attrNameLst>
+                                      </p:cBhvr>
+                                      <p:to>
+                                        <p:strVal val="visible"/>
+                                      </p:to>
+                                    </p:set>
+                                  </p:childTnLst>
+                                </p:cTn>
+                              </p:par>
+                              <p:par>
+                                <p:cTn id="33" presetID="1" presetClass="entr" presetSubtype="0" fill="hold" nodeType="withEffect">
+                                  <p:stCondLst>
+                                    <p:cond delay="0"/>
+                                  </p:stCondLst>
+                                  <p:childTnLst>
+                                    <p:set>
+                                      <p:cBhvr>
                                         <p:cTn id="34" dur="1" fill="hold">
                                           <p:stCondLst>
                                             <p:cond delay="0"/>
                                           </p:stCondLst>
                                         </p:cTn>
                                         <p:tgtEl>
-                                          <p:spTgt spid="34"/>
+                                          <p:spTgt spid="7170"/>
                                         </p:tgtEl>
                                         <p:attrNameLst>
                                           <p:attrName>style.visibility</p:attrName>
@@ -6271,7 +7166,7 @@
                                           </p:stCondLst>
                                         </p:cTn>
                                         <p:tgtEl>
-                                          <p:spTgt spid="7170"/>
+                                          <p:spTgt spid="35"/>
                                         </p:tgtEl>
                                         <p:attrNameLst>
                                           <p:attrName>style.visibility</p:attrName>
@@ -6298,33 +7193,6 @@
                                           </p:stCondLst>
                                         </p:cTn>
                                         <p:tgtEl>
-                                          <p:spTgt spid="35"/>
-                                        </p:tgtEl>
-                                        <p:attrNameLst>
-                                          <p:attrName>style.visibility</p:attrName>
-                                        </p:attrNameLst>
-                                      </p:cBhvr>
-                                      <p:to>
-                                        <p:strVal val="visible"/>
-                                      </p:to>
-                                    </p:set>
-                                  </p:childTnLst>
-                                </p:cTn>
-                              </p:par>
-                              <p:par>
-                                <p:cTn id="39" presetID="1" presetClass="entr" presetSubtype="0" fill="hold" nodeType="withEffect">
-                                  <p:stCondLst>
-                                    <p:cond delay="0"/>
-                                  </p:stCondLst>
-                                  <p:childTnLst>
-                                    <p:set>
-                                      <p:cBhvr>
-                                        <p:cTn id="40" dur="1" fill="hold">
-                                          <p:stCondLst>
-                                            <p:cond delay="0"/>
-                                          </p:stCondLst>
-                                        </p:cTn>
-                                        <p:tgtEl>
                                           <p:spTgt spid="36"/>
                                         </p:tgtEl>
                                         <p:attrNameLst>
@@ -6345,26 +7213,26 @@
                     </p:cTn>
                   </p:par>
                   <p:par>
-                    <p:cTn id="41" fill="hold">
+                    <p:cTn id="39" fill="hold">
                       <p:stCondLst>
                         <p:cond delay="indefinite"/>
                       </p:stCondLst>
                       <p:childTnLst>
                         <p:par>
-                          <p:cTn id="42" fill="hold">
+                          <p:cTn id="40" fill="hold">
                             <p:stCondLst>
                               <p:cond delay="0"/>
                             </p:stCondLst>
                             <p:childTnLst>
                               <p:par>
-                                <p:cTn id="43" presetID="2" presetClass="entr" presetSubtype="4" fill="hold" nodeType="clickEffect">
+                                <p:cTn id="41" presetID="2" presetClass="entr" presetSubtype="4" fill="hold" nodeType="clickEffect">
                                   <p:stCondLst>
                                     <p:cond delay="0"/>
                                   </p:stCondLst>
                                   <p:childTnLst>
                                     <p:set>
                                       <p:cBhvr>
-                                        <p:cTn id="44" dur="1" fill="hold">
+                                        <p:cTn id="42" dur="1" fill="hold">
                                           <p:stCondLst>
                                             <p:cond delay="0"/>
                                           </p:stCondLst>
@@ -6382,7 +7250,7 @@
                                     </p:set>
                                     <p:anim calcmode="lin" valueType="num">
                                       <p:cBhvr additive="base">
-                                        <p:cTn id="45" dur="500" fill="hold"/>
+                                        <p:cTn id="43" dur="500" fill="hold"/>
                                         <p:tgtEl>
                                           <p:spTgt spid="7180"/>
                                         </p:tgtEl>
@@ -6405,7 +7273,7 @@
                                     </p:anim>
                                     <p:anim calcmode="lin" valueType="num">
                                       <p:cBhvr additive="base">
-                                        <p:cTn id="46" dur="500" fill="hold"/>
+                                        <p:cTn id="44" dur="500" fill="hold"/>
                                         <p:tgtEl>
                                           <p:spTgt spid="7180"/>
                                         </p:tgtEl>
@@ -6426,6 +7294,33 @@
                                         </p:tav>
                                       </p:tavLst>
                                     </p:anim>
+                                  </p:childTnLst>
+                                </p:cTn>
+                              </p:par>
+                              <p:par>
+                                <p:cTn id="45" presetID="1" presetClass="entr" presetSubtype="0" fill="hold" nodeType="withEffect">
+                                  <p:stCondLst>
+                                    <p:cond delay="300"/>
+                                  </p:stCondLst>
+                                  <p:childTnLst>
+                                    <p:set>
+                                      <p:cBhvr>
+                                        <p:cTn id="46" dur="1" fill="hold">
+                                          <p:stCondLst>
+                                            <p:cond delay="0"/>
+                                          </p:stCondLst>
+                                        </p:cTn>
+                                        <p:tgtEl>
+                                          <p:spTgt spid="7172"/>
+                                        </p:tgtEl>
+                                        <p:attrNameLst>
+                                          <p:attrName>style.visibility</p:attrName>
+                                        </p:attrNameLst>
+                                      </p:cBhvr>
+                                      <p:to>
+                                        <p:strVal val="visible"/>
+                                      </p:to>
+                                    </p:set>
                                   </p:childTnLst>
                                 </p:cTn>
                               </p:par>
@@ -6461,7 +7356,7 @@
                                           </p:stCondLst>
                                         </p:cTn>
                                         <p:tgtEl>
-                                          <p:spTgt spid="7172"/>
+                                          <p:spTgt spid="42"/>
                                         </p:tgtEl>
                                         <p:attrNameLst>
                                           <p:attrName>style.visibility</p:attrName>
@@ -6474,39 +7369,48 @@
                                   </p:childTnLst>
                                 </p:cTn>
                               </p:par>
-                            </p:childTnLst>
-                          </p:cTn>
-                        </p:par>
-                      </p:childTnLst>
-                    </p:cTn>
-                  </p:par>
-                  <p:par>
-                    <p:cTn id="51" fill="hold">
-                      <p:stCondLst>
-                        <p:cond delay="indefinite"/>
-                      </p:stCondLst>
-                      <p:childTnLst>
-                        <p:par>
-                          <p:cTn id="52" fill="hold">
-                            <p:stCondLst>
-                              <p:cond delay="0"/>
-                            </p:stCondLst>
-                            <p:childTnLst>
                               <p:par>
-                                <p:cTn id="53" presetID="1" presetClass="entr" presetSubtype="0" fill="hold" nodeType="clickEffect">
+                                <p:cTn id="51" presetID="1" presetClass="entr" presetSubtype="0" fill="hold" nodeType="withEffect">
                                   <p:stCondLst>
                                     <p:cond delay="0"/>
                                   </p:stCondLst>
                                   <p:childTnLst>
                                     <p:set>
                                       <p:cBhvr>
+                                        <p:cTn id="52" dur="1" fill="hold">
+                                          <p:stCondLst>
+                                            <p:cond delay="0"/>
+                                          </p:stCondLst>
+                                        </p:cTn>
+                                        <p:tgtEl>
+                                          <p:spTgt spid="43"/>
+                                        </p:tgtEl>
+                                        <p:attrNameLst>
+                                          <p:attrName>style.visibility</p:attrName>
+                                        </p:attrNameLst>
+                                      </p:cBhvr>
+                                      <p:to>
+                                        <p:strVal val="visible"/>
+                                      </p:to>
+                                    </p:set>
+                                  </p:childTnLst>
+                                </p:cTn>
+                              </p:par>
+                              <p:par>
+                                <p:cTn id="53" presetID="1" presetClass="entr" presetSubtype="0" fill="hold" nodeType="withEffect">
+                                  <p:stCondLst>
+                                    <p:cond delay="0"/>
+                                  </p:stCondLst>
+                                  <p:childTnLst>
+                                    <p:set>
+                                      <p:cBhvr>
                                         <p:cTn id="54" dur="1" fill="hold">
                                           <p:stCondLst>
                                             <p:cond delay="0"/>
                                           </p:stCondLst>
                                         </p:cTn>
                                         <p:tgtEl>
-                                          <p:spTgt spid="42"/>
+                                          <p:spTgt spid="44"/>
                                         </p:tgtEl>
                                         <p:attrNameLst>
                                           <p:attrName>style.visibility</p:attrName>
@@ -6528,60 +7432,6 @@
                                     <p:set>
                                       <p:cBhvr>
                                         <p:cTn id="56" dur="1" fill="hold">
-                                          <p:stCondLst>
-                                            <p:cond delay="0"/>
-                                          </p:stCondLst>
-                                        </p:cTn>
-                                        <p:tgtEl>
-                                          <p:spTgt spid="43"/>
-                                        </p:tgtEl>
-                                        <p:attrNameLst>
-                                          <p:attrName>style.visibility</p:attrName>
-                                        </p:attrNameLst>
-                                      </p:cBhvr>
-                                      <p:to>
-                                        <p:strVal val="visible"/>
-                                      </p:to>
-                                    </p:set>
-                                  </p:childTnLst>
-                                </p:cTn>
-                              </p:par>
-                              <p:par>
-                                <p:cTn id="57" presetID="1" presetClass="entr" presetSubtype="0" fill="hold" nodeType="withEffect">
-                                  <p:stCondLst>
-                                    <p:cond delay="0"/>
-                                  </p:stCondLst>
-                                  <p:childTnLst>
-                                    <p:set>
-                                      <p:cBhvr>
-                                        <p:cTn id="58" dur="1" fill="hold">
-                                          <p:stCondLst>
-                                            <p:cond delay="0"/>
-                                          </p:stCondLst>
-                                        </p:cTn>
-                                        <p:tgtEl>
-                                          <p:spTgt spid="44"/>
-                                        </p:tgtEl>
-                                        <p:attrNameLst>
-                                          <p:attrName>style.visibility</p:attrName>
-                                        </p:attrNameLst>
-                                      </p:cBhvr>
-                                      <p:to>
-                                        <p:strVal val="visible"/>
-                                      </p:to>
-                                    </p:set>
-                                  </p:childTnLst>
-                                </p:cTn>
-                              </p:par>
-                              <p:par>
-                                <p:cTn id="59" presetID="1" presetClass="entr" presetSubtype="0" fill="hold" nodeType="withEffect">
-                                  <p:stCondLst>
-                                    <p:cond delay="0"/>
-                                  </p:stCondLst>
-                                  <p:childTnLst>
-                                    <p:set>
-                                      <p:cBhvr>
-                                        <p:cTn id="60" dur="1" fill="hold">
                                           <p:stCondLst>
                                             <p:cond delay="0"/>
                                           </p:stCondLst>
@@ -6693,7 +7543,7 @@
           <p:nvPr/>
         </p:nvPicPr>
         <p:blipFill>
-          <a:blip r:embed="rId2" cstate="print">
+          <a:blip r:embed="rId3" cstate="print">
             <a:extLst>
               <a:ext uri="{28A0092B-C50C-407E-A947-70E740481C1C}">
                 <a14:useLocalDpi xmlns:a14="http://schemas.microsoft.com/office/drawing/2010/main" val="0"/>
@@ -6723,7 +7573,7 @@
           <p:nvPr/>
         </p:nvPicPr>
         <p:blipFill>
-          <a:blip r:embed="rId3" cstate="print">
+          <a:blip r:embed="rId4" cstate="print">
             <a:extLst>
               <a:ext uri="{28A0092B-C50C-407E-A947-70E740481C1C}">
                 <a14:useLocalDpi xmlns:a14="http://schemas.microsoft.com/office/drawing/2010/main" val="0"/>
@@ -6753,7 +7603,7 @@
           <p:nvPr/>
         </p:nvPicPr>
         <p:blipFill>
-          <a:blip r:embed="rId4">
+          <a:blip r:embed="rId5">
             <a:extLst>
               <a:ext uri="{28A0092B-C50C-407E-A947-70E740481C1C}">
                 <a14:useLocalDpi xmlns:a14="http://schemas.microsoft.com/office/drawing/2010/main" val="0"/>
@@ -6783,7 +7633,7 @@
           <p:nvPr/>
         </p:nvPicPr>
         <p:blipFill>
-          <a:blip r:embed="rId5" cstate="print">
+          <a:blip r:embed="rId6" cstate="print">
             <a:duotone>
               <a:schemeClr val="accent6">
                 <a:shade val="45000"/>
@@ -6820,7 +7670,7 @@
           <p:nvPr/>
         </p:nvPicPr>
         <p:blipFill>
-          <a:blip r:embed="rId5" cstate="print">
+          <a:blip r:embed="rId6" cstate="print">
             <a:duotone>
               <a:schemeClr val="accent6">
                 <a:shade val="45000"/>
@@ -6857,7 +7707,7 @@
           <p:nvPr/>
         </p:nvPicPr>
         <p:blipFill>
-          <a:blip r:embed="rId6" cstate="print">
+          <a:blip r:embed="rId7" cstate="print">
             <a:extLst>
               <a:ext uri="{28A0092B-C50C-407E-A947-70E740481C1C}">
                 <a14:useLocalDpi xmlns:a14="http://schemas.microsoft.com/office/drawing/2010/main" val="0"/>
@@ -6887,7 +7737,7 @@
           <p:nvPr/>
         </p:nvPicPr>
         <p:blipFill>
-          <a:blip r:embed="rId5" cstate="print">
+          <a:blip r:embed="rId6" cstate="print">
             <a:duotone>
               <a:schemeClr val="accent6">
                 <a:shade val="45000"/>
@@ -6924,7 +7774,7 @@
           <p:nvPr/>
         </p:nvPicPr>
         <p:blipFill>
-          <a:blip r:embed="rId5" cstate="print">
+          <a:blip r:embed="rId6" cstate="print">
             <a:duotone>
               <a:schemeClr val="accent6">
                 <a:shade val="45000"/>
@@ -7126,7 +7976,7 @@
           <p:nvPr/>
         </p:nvPicPr>
         <p:blipFill>
-          <a:blip r:embed="rId7" cstate="print">
+          <a:blip r:embed="rId8" cstate="print">
             <a:duotone>
               <a:schemeClr val="accent6">
                 <a:shade val="45000"/>
@@ -7283,7 +8133,7 @@
           <p:nvPr/>
         </p:nvPicPr>
         <p:blipFill>
-          <a:blip r:embed="rId8" cstate="print">
+          <a:blip r:embed="rId9" cstate="print">
             <a:extLst>
               <a:ext uri="{28A0092B-C50C-407E-A947-70E740481C1C}">
                 <a14:useLocalDpi xmlns:a14="http://schemas.microsoft.com/office/drawing/2010/main" val="0"/>
@@ -7318,129 +8168,6 @@
       <p:pic>
         <p:nvPicPr>
           <p:cNvPr id="34" name="Picture 2" descr="https://cdn0.iconfinder.com/data/icons/files-documents/512/YPS__file_document_to_sign_signature_signed_sign_sheet_contract_paper_page_text-512.png"/>
-          <p:cNvPicPr>
-            <a:picLocks noChangeAspect="1" noChangeArrowheads="1"/>
-          </p:cNvPicPr>
-          <p:nvPr/>
-        </p:nvPicPr>
-        <p:blipFill>
-          <a:blip r:embed="rId8" cstate="print">
-            <a:extLst>
-              <a:ext uri="{28A0092B-C50C-407E-A947-70E740481C1C}">
-                <a14:useLocalDpi xmlns:a14="http://schemas.microsoft.com/office/drawing/2010/main" val="0"/>
-              </a:ext>
-            </a:extLst>
-          </a:blip>
-          <a:srcRect/>
-          <a:stretch>
-            <a:fillRect/>
-          </a:stretch>
-        </p:blipFill>
-        <p:spPr bwMode="auto">
-          <a:xfrm>
-            <a:off x="3789295" y="4828547"/>
-            <a:ext cx="931555" cy="931555"/>
-          </a:xfrm>
-          <a:prstGeom prst="rect">
-            <a:avLst/>
-          </a:prstGeom>
-          <a:noFill/>
-          <a:extLst>
-            <a:ext uri="{909E8E84-426E-40DD-AFC4-6F175D3DCCD1}">
-              <a14:hiddenFill xmlns:a14="http://schemas.microsoft.com/office/drawing/2010/main">
-                <a:solidFill>
-                  <a:srgbClr val="FFFFFF"/>
-                </a:solidFill>
-              </a14:hiddenFill>
-            </a:ext>
-          </a:extLst>
-        </p:spPr>
-      </p:pic>
-      <p:pic>
-        <p:nvPicPr>
-          <p:cNvPr id="35" name="Picture 2" descr="https://cdn0.iconfinder.com/data/icons/files-documents/512/YPS__file_document_to_sign_signature_signed_sign_sheet_contract_paper_page_text-512.png"/>
-          <p:cNvPicPr>
-            <a:picLocks noChangeAspect="1" noChangeArrowheads="1"/>
-          </p:cNvPicPr>
-          <p:nvPr/>
-        </p:nvPicPr>
-        <p:blipFill>
-          <a:blip r:embed="rId8" cstate="print">
-            <a:extLst>
-              <a:ext uri="{28A0092B-C50C-407E-A947-70E740481C1C}">
-                <a14:useLocalDpi xmlns:a14="http://schemas.microsoft.com/office/drawing/2010/main" val="0"/>
-              </a:ext>
-            </a:extLst>
-          </a:blip>
-          <a:srcRect/>
-          <a:stretch>
-            <a:fillRect/>
-          </a:stretch>
-        </p:blipFill>
-        <p:spPr bwMode="auto">
-          <a:xfrm>
-            <a:off x="7024226" y="1646387"/>
-            <a:ext cx="931555" cy="931555"/>
-          </a:xfrm>
-          <a:prstGeom prst="rect">
-            <a:avLst/>
-          </a:prstGeom>
-          <a:noFill/>
-          <a:extLst>
-            <a:ext uri="{909E8E84-426E-40DD-AFC4-6F175D3DCCD1}">
-              <a14:hiddenFill xmlns:a14="http://schemas.microsoft.com/office/drawing/2010/main">
-                <a:solidFill>
-                  <a:srgbClr val="FFFFFF"/>
-                </a:solidFill>
-              </a14:hiddenFill>
-            </a:ext>
-          </a:extLst>
-        </p:spPr>
-      </p:pic>
-      <p:pic>
-        <p:nvPicPr>
-          <p:cNvPr id="36" name="Picture 2" descr="https://cdn0.iconfinder.com/data/icons/files-documents/512/YPS__file_document_to_sign_signature_signed_sign_sheet_contract_paper_page_text-512.png"/>
-          <p:cNvPicPr>
-            <a:picLocks noChangeAspect="1" noChangeArrowheads="1"/>
-          </p:cNvPicPr>
-          <p:nvPr/>
-        </p:nvPicPr>
-        <p:blipFill>
-          <a:blip r:embed="rId8" cstate="print">
-            <a:extLst>
-              <a:ext uri="{28A0092B-C50C-407E-A947-70E740481C1C}">
-                <a14:useLocalDpi xmlns:a14="http://schemas.microsoft.com/office/drawing/2010/main" val="0"/>
-              </a:ext>
-            </a:extLst>
-          </a:blip>
-          <a:srcRect/>
-          <a:stretch>
-            <a:fillRect/>
-          </a:stretch>
-        </p:blipFill>
-        <p:spPr bwMode="auto">
-          <a:xfrm>
-            <a:off x="6998266" y="4828547"/>
-            <a:ext cx="931555" cy="931555"/>
-          </a:xfrm>
-          <a:prstGeom prst="rect">
-            <a:avLst/>
-          </a:prstGeom>
-          <a:noFill/>
-          <a:extLst>
-            <a:ext uri="{909E8E84-426E-40DD-AFC4-6F175D3DCCD1}">
-              <a14:hiddenFill xmlns:a14="http://schemas.microsoft.com/office/drawing/2010/main">
-                <a:solidFill>
-                  <a:srgbClr val="FFFFFF"/>
-                </a:solidFill>
-              </a14:hiddenFill>
-            </a:ext>
-          </a:extLst>
-        </p:spPr>
-      </p:pic>
-      <p:pic>
-        <p:nvPicPr>
-          <p:cNvPr id="7172" name="Picture 4" descr="https://image.freepik.com/free-icon/baby-face_318-61853.jpg"/>
           <p:cNvPicPr>
             <a:picLocks noChangeAspect="1" noChangeArrowheads="1"/>
           </p:cNvPicPr>
@@ -7461,8 +8188,8 @@
         </p:blipFill>
         <p:spPr bwMode="auto">
           <a:xfrm>
-            <a:off x="8552015" y="4548650"/>
-            <a:ext cx="1003275" cy="1003275"/>
+            <a:off x="3789295" y="4828547"/>
+            <a:ext cx="931555" cy="931555"/>
           </a:xfrm>
           <a:prstGeom prst="rect">
             <a:avLst/>
@@ -7481,7 +8208,89 @@
       </p:pic>
       <p:pic>
         <p:nvPicPr>
-          <p:cNvPr id="7180" name="Picture 12" descr="https://image.freepik.com/free-icon/woman-with-a-dress-dancing_318-29589.png"/>
+          <p:cNvPr id="35" name="Picture 2" descr="https://cdn0.iconfinder.com/data/icons/files-documents/512/YPS__file_document_to_sign_signature_signed_sign_sheet_contract_paper_page_text-512.png"/>
+          <p:cNvPicPr>
+            <a:picLocks noChangeAspect="1" noChangeArrowheads="1"/>
+          </p:cNvPicPr>
+          <p:nvPr/>
+        </p:nvPicPr>
+        <p:blipFill>
+          <a:blip r:embed="rId9" cstate="print">
+            <a:extLst>
+              <a:ext uri="{28A0092B-C50C-407E-A947-70E740481C1C}">
+                <a14:useLocalDpi xmlns:a14="http://schemas.microsoft.com/office/drawing/2010/main" val="0"/>
+              </a:ext>
+            </a:extLst>
+          </a:blip>
+          <a:srcRect/>
+          <a:stretch>
+            <a:fillRect/>
+          </a:stretch>
+        </p:blipFill>
+        <p:spPr bwMode="auto">
+          <a:xfrm>
+            <a:off x="7024226" y="1646387"/>
+            <a:ext cx="931555" cy="931555"/>
+          </a:xfrm>
+          <a:prstGeom prst="rect">
+            <a:avLst/>
+          </a:prstGeom>
+          <a:noFill/>
+          <a:extLst>
+            <a:ext uri="{909E8E84-426E-40DD-AFC4-6F175D3DCCD1}">
+              <a14:hiddenFill xmlns:a14="http://schemas.microsoft.com/office/drawing/2010/main">
+                <a:solidFill>
+                  <a:srgbClr val="FFFFFF"/>
+                </a:solidFill>
+              </a14:hiddenFill>
+            </a:ext>
+          </a:extLst>
+        </p:spPr>
+      </p:pic>
+      <p:pic>
+        <p:nvPicPr>
+          <p:cNvPr id="36" name="Picture 2" descr="https://cdn0.iconfinder.com/data/icons/files-documents/512/YPS__file_document_to_sign_signature_signed_sign_sheet_contract_paper_page_text-512.png"/>
+          <p:cNvPicPr>
+            <a:picLocks noChangeAspect="1" noChangeArrowheads="1"/>
+          </p:cNvPicPr>
+          <p:nvPr/>
+        </p:nvPicPr>
+        <p:blipFill>
+          <a:blip r:embed="rId9" cstate="print">
+            <a:extLst>
+              <a:ext uri="{28A0092B-C50C-407E-A947-70E740481C1C}">
+                <a14:useLocalDpi xmlns:a14="http://schemas.microsoft.com/office/drawing/2010/main" val="0"/>
+              </a:ext>
+            </a:extLst>
+          </a:blip>
+          <a:srcRect/>
+          <a:stretch>
+            <a:fillRect/>
+          </a:stretch>
+        </p:blipFill>
+        <p:spPr bwMode="auto">
+          <a:xfrm>
+            <a:off x="6998266" y="4828547"/>
+            <a:ext cx="931555" cy="931555"/>
+          </a:xfrm>
+          <a:prstGeom prst="rect">
+            <a:avLst/>
+          </a:prstGeom>
+          <a:noFill/>
+          <a:extLst>
+            <a:ext uri="{909E8E84-426E-40DD-AFC4-6F175D3DCCD1}">
+              <a14:hiddenFill xmlns:a14="http://schemas.microsoft.com/office/drawing/2010/main">
+                <a:solidFill>
+                  <a:srgbClr val="FFFFFF"/>
+                </a:solidFill>
+              </a14:hiddenFill>
+            </a:ext>
+          </a:extLst>
+        </p:spPr>
+      </p:pic>
+      <p:pic>
+        <p:nvPicPr>
+          <p:cNvPr id="7172" name="Picture 4" descr="https://image.freepik.com/free-icon/baby-face_318-61853.jpg"/>
           <p:cNvPicPr>
             <a:picLocks noChangeAspect="1" noChangeArrowheads="1"/>
           </p:cNvPicPr>
@@ -7502,8 +8311,8 @@
         </p:blipFill>
         <p:spPr bwMode="auto">
           <a:xfrm>
-            <a:off x="9637681" y="4030290"/>
-            <a:ext cx="1380262" cy="1380262"/>
+            <a:off x="8552015" y="4548650"/>
+            <a:ext cx="1003275" cy="1003275"/>
           </a:xfrm>
           <a:prstGeom prst="rect">
             <a:avLst/>
@@ -7522,89 +8331,7 @@
       </p:pic>
       <p:pic>
         <p:nvPicPr>
-          <p:cNvPr id="42" name="Picture 2" descr="https://cdn0.iconfinder.com/data/icons/files-documents/512/YPS__file_document_to_sign_signature_signed_sign_sheet_contract_paper_page_text-512.png"/>
-          <p:cNvPicPr>
-            <a:picLocks noChangeAspect="1" noChangeArrowheads="1"/>
-          </p:cNvPicPr>
-          <p:nvPr/>
-        </p:nvPicPr>
-        <p:blipFill>
-          <a:blip r:embed="rId8" cstate="print">
-            <a:extLst>
-              <a:ext uri="{28A0092B-C50C-407E-A947-70E740481C1C}">
-                <a14:useLocalDpi xmlns:a14="http://schemas.microsoft.com/office/drawing/2010/main" val="0"/>
-              </a:ext>
-            </a:extLst>
-          </a:blip>
-          <a:srcRect/>
-          <a:stretch>
-            <a:fillRect/>
-          </a:stretch>
-        </p:blipFill>
-        <p:spPr bwMode="auto">
-          <a:xfrm>
-            <a:off x="7898210" y="1825277"/>
-            <a:ext cx="931555" cy="931555"/>
-          </a:xfrm>
-          <a:prstGeom prst="rect">
-            <a:avLst/>
-          </a:prstGeom>
-          <a:noFill/>
-          <a:extLst>
-            <a:ext uri="{909E8E84-426E-40DD-AFC4-6F175D3DCCD1}">
-              <a14:hiddenFill xmlns:a14="http://schemas.microsoft.com/office/drawing/2010/main">
-                <a:solidFill>
-                  <a:srgbClr val="FFFFFF"/>
-                </a:solidFill>
-              </a14:hiddenFill>
-            </a:ext>
-          </a:extLst>
-        </p:spPr>
-      </p:pic>
-      <p:pic>
-        <p:nvPicPr>
-          <p:cNvPr id="43" name="Picture 2" descr="https://cdn0.iconfinder.com/data/icons/files-documents/512/YPS__file_document_to_sign_signature_signed_sign_sheet_contract_paper_page_text-512.png"/>
-          <p:cNvPicPr>
-            <a:picLocks noChangeAspect="1" noChangeArrowheads="1"/>
-          </p:cNvPicPr>
-          <p:nvPr/>
-        </p:nvPicPr>
-        <p:blipFill>
-          <a:blip r:embed="rId8" cstate="print">
-            <a:extLst>
-              <a:ext uri="{28A0092B-C50C-407E-A947-70E740481C1C}">
-                <a14:useLocalDpi xmlns:a14="http://schemas.microsoft.com/office/drawing/2010/main" val="0"/>
-              </a:ext>
-            </a:extLst>
-          </a:blip>
-          <a:srcRect/>
-          <a:stretch>
-            <a:fillRect/>
-          </a:stretch>
-        </p:blipFill>
-        <p:spPr bwMode="auto">
-          <a:xfrm>
-            <a:off x="2997842" y="1949617"/>
-            <a:ext cx="931555" cy="931555"/>
-          </a:xfrm>
-          <a:prstGeom prst="rect">
-            <a:avLst/>
-          </a:prstGeom>
-          <a:noFill/>
-          <a:extLst>
-            <a:ext uri="{909E8E84-426E-40DD-AFC4-6F175D3DCCD1}">
-              <a14:hiddenFill xmlns:a14="http://schemas.microsoft.com/office/drawing/2010/main">
-                <a:solidFill>
-                  <a:srgbClr val="FFFFFF"/>
-                </a:solidFill>
-              </a14:hiddenFill>
-            </a:ext>
-          </a:extLst>
-        </p:spPr>
-      </p:pic>
-      <p:pic>
-        <p:nvPicPr>
-          <p:cNvPr id="44" name="Picture 2" descr="https://cdn0.iconfinder.com/data/icons/files-documents/512/YPS__file_document_to_sign_signature_signed_sign_sheet_contract_paper_page_text-512.png"/>
+          <p:cNvPr id="7180" name="Picture 12" descr="https://image.freepik.com/free-icon/woman-with-a-dress-dancing_318-29589.png"/>
           <p:cNvPicPr>
             <a:picLocks noChangeAspect="1" noChangeArrowheads="1"/>
           </p:cNvPicPr>
@@ -7625,8 +8352,8 @@
         </p:blipFill>
         <p:spPr bwMode="auto">
           <a:xfrm>
-            <a:off x="3143319" y="4567401"/>
-            <a:ext cx="967042" cy="967042"/>
+            <a:off x="9637681" y="4030290"/>
+            <a:ext cx="1380262" cy="1380262"/>
           </a:xfrm>
           <a:prstGeom prst="rect">
             <a:avLst/>
@@ -7645,6 +8372,129 @@
       </p:pic>
       <p:pic>
         <p:nvPicPr>
+          <p:cNvPr id="42" name="Picture 2" descr="https://cdn0.iconfinder.com/data/icons/files-documents/512/YPS__file_document_to_sign_signature_signed_sign_sheet_contract_paper_page_text-512.png"/>
+          <p:cNvPicPr>
+            <a:picLocks noChangeAspect="1" noChangeArrowheads="1"/>
+          </p:cNvPicPr>
+          <p:nvPr/>
+        </p:nvPicPr>
+        <p:blipFill>
+          <a:blip r:embed="rId9" cstate="print">
+            <a:extLst>
+              <a:ext uri="{28A0092B-C50C-407E-A947-70E740481C1C}">
+                <a14:useLocalDpi xmlns:a14="http://schemas.microsoft.com/office/drawing/2010/main" val="0"/>
+              </a:ext>
+            </a:extLst>
+          </a:blip>
+          <a:srcRect/>
+          <a:stretch>
+            <a:fillRect/>
+          </a:stretch>
+        </p:blipFill>
+        <p:spPr bwMode="auto">
+          <a:xfrm>
+            <a:off x="7898210" y="1825277"/>
+            <a:ext cx="931555" cy="931555"/>
+          </a:xfrm>
+          <a:prstGeom prst="rect">
+            <a:avLst/>
+          </a:prstGeom>
+          <a:noFill/>
+          <a:extLst>
+            <a:ext uri="{909E8E84-426E-40DD-AFC4-6F175D3DCCD1}">
+              <a14:hiddenFill xmlns:a14="http://schemas.microsoft.com/office/drawing/2010/main">
+                <a:solidFill>
+                  <a:srgbClr val="FFFFFF"/>
+                </a:solidFill>
+              </a14:hiddenFill>
+            </a:ext>
+          </a:extLst>
+        </p:spPr>
+      </p:pic>
+      <p:pic>
+        <p:nvPicPr>
+          <p:cNvPr id="43" name="Picture 2" descr="https://cdn0.iconfinder.com/data/icons/files-documents/512/YPS__file_document_to_sign_signature_signed_sign_sheet_contract_paper_page_text-512.png"/>
+          <p:cNvPicPr>
+            <a:picLocks noChangeAspect="1" noChangeArrowheads="1"/>
+          </p:cNvPicPr>
+          <p:nvPr/>
+        </p:nvPicPr>
+        <p:blipFill>
+          <a:blip r:embed="rId9" cstate="print">
+            <a:extLst>
+              <a:ext uri="{28A0092B-C50C-407E-A947-70E740481C1C}">
+                <a14:useLocalDpi xmlns:a14="http://schemas.microsoft.com/office/drawing/2010/main" val="0"/>
+              </a:ext>
+            </a:extLst>
+          </a:blip>
+          <a:srcRect/>
+          <a:stretch>
+            <a:fillRect/>
+          </a:stretch>
+        </p:blipFill>
+        <p:spPr bwMode="auto">
+          <a:xfrm>
+            <a:off x="2997842" y="1949617"/>
+            <a:ext cx="931555" cy="931555"/>
+          </a:xfrm>
+          <a:prstGeom prst="rect">
+            <a:avLst/>
+          </a:prstGeom>
+          <a:noFill/>
+          <a:extLst>
+            <a:ext uri="{909E8E84-426E-40DD-AFC4-6F175D3DCCD1}">
+              <a14:hiddenFill xmlns:a14="http://schemas.microsoft.com/office/drawing/2010/main">
+                <a:solidFill>
+                  <a:srgbClr val="FFFFFF"/>
+                </a:solidFill>
+              </a14:hiddenFill>
+            </a:ext>
+          </a:extLst>
+        </p:spPr>
+      </p:pic>
+      <p:pic>
+        <p:nvPicPr>
+          <p:cNvPr id="44" name="Picture 2" descr="https://cdn0.iconfinder.com/data/icons/files-documents/512/YPS__file_document_to_sign_signature_signed_sign_sheet_contract_paper_page_text-512.png"/>
+          <p:cNvPicPr>
+            <a:picLocks noChangeAspect="1" noChangeArrowheads="1"/>
+          </p:cNvPicPr>
+          <p:nvPr/>
+        </p:nvPicPr>
+        <p:blipFill>
+          <a:blip r:embed="rId12" cstate="print">
+            <a:extLst>
+              <a:ext uri="{28A0092B-C50C-407E-A947-70E740481C1C}">
+                <a14:useLocalDpi xmlns:a14="http://schemas.microsoft.com/office/drawing/2010/main" val="0"/>
+              </a:ext>
+            </a:extLst>
+          </a:blip>
+          <a:srcRect/>
+          <a:stretch>
+            <a:fillRect/>
+          </a:stretch>
+        </p:blipFill>
+        <p:spPr bwMode="auto">
+          <a:xfrm>
+            <a:off x="3143319" y="4567401"/>
+            <a:ext cx="967042" cy="967042"/>
+          </a:xfrm>
+          <a:prstGeom prst="rect">
+            <a:avLst/>
+          </a:prstGeom>
+          <a:noFill/>
+          <a:extLst>
+            <a:ext uri="{909E8E84-426E-40DD-AFC4-6F175D3DCCD1}">
+              <a14:hiddenFill xmlns:a14="http://schemas.microsoft.com/office/drawing/2010/main">
+                <a:solidFill>
+                  <a:srgbClr val="FFFFFF"/>
+                </a:solidFill>
+              </a14:hiddenFill>
+            </a:ext>
+          </a:extLst>
+        </p:spPr>
+      </p:pic>
+      <p:pic>
+        <p:nvPicPr>
           <p:cNvPr id="45" name="Picture 2" descr="https://cdn0.iconfinder.com/data/icons/files-documents/512/YPS__file_document_to_sign_signature_signed_sign_sheet_contract_paper_page_text-512.png"/>
           <p:cNvPicPr>
             <a:picLocks noChangeAspect="1" noChangeArrowheads="1"/>
@@ -7652,7 +8502,7 @@
           <p:nvPr/>
         </p:nvPicPr>
         <p:blipFill>
-          <a:blip r:embed="rId8" cstate="print">
+          <a:blip r:embed="rId9" cstate="print">
             <a:extLst>
               <a:ext uri="{28A0092B-C50C-407E-A947-70E740481C1C}">
                 <a14:useLocalDpi xmlns:a14="http://schemas.microsoft.com/office/drawing/2010/main" val="0"/>
@@ -7693,7 +8543,7 @@
           <p:nvPr/>
         </p:nvPicPr>
         <p:blipFill>
-          <a:blip r:embed="rId5" cstate="print">
+          <a:blip r:embed="rId6" cstate="print">
             <a:duotone>
               <a:schemeClr val="accent6">
                 <a:shade val="45000"/>
@@ -7730,7 +8580,7 @@
           <p:nvPr/>
         </p:nvPicPr>
         <p:blipFill>
-          <a:blip r:embed="rId8" cstate="print">
+          <a:blip r:embed="rId9" cstate="print">
             <a:extLst>
               <a:ext uri="{28A0092B-C50C-407E-A947-70E740481C1C}">
                 <a14:useLocalDpi xmlns:a14="http://schemas.microsoft.com/office/drawing/2010/main" val="0"/>
@@ -7771,7 +8621,7 @@
           <p:nvPr/>
         </p:nvPicPr>
         <p:blipFill>
-          <a:blip r:embed="rId8" cstate="print">
+          <a:blip r:embed="rId9" cstate="print">
             <a:extLst>
               <a:ext uri="{28A0092B-C50C-407E-A947-70E740481C1C}">
                 <a14:useLocalDpi xmlns:a14="http://schemas.microsoft.com/office/drawing/2010/main" val="0"/>
@@ -7812,7 +8662,7 @@
           <p:nvPr/>
         </p:nvPicPr>
         <p:blipFill>
-          <a:blip r:embed="rId4">
+          <a:blip r:embed="rId5">
             <a:extLst>
               <a:ext uri="{28A0092B-C50C-407E-A947-70E740481C1C}">
                 <a14:useLocalDpi xmlns:a14="http://schemas.microsoft.com/office/drawing/2010/main" val="0"/>
@@ -8073,7 +8923,7 @@
           <p:nvPr/>
         </p:nvPicPr>
         <p:blipFill>
-          <a:blip r:embed="rId8" cstate="print">
+          <a:blip r:embed="rId9" cstate="print">
             <a:extLst>
               <a:ext uri="{28A0092B-C50C-407E-A947-70E740481C1C}">
                 <a14:useLocalDpi xmlns:a14="http://schemas.microsoft.com/office/drawing/2010/main" val="0"/>
@@ -8114,7 +8964,7 @@
           <p:nvPr/>
         </p:nvPicPr>
         <p:blipFill>
-          <a:blip r:embed="rId8" cstate="print">
+          <a:blip r:embed="rId9" cstate="print">
             <a:extLst>
               <a:ext uri="{28A0092B-C50C-407E-A947-70E740481C1C}">
                 <a14:useLocalDpi xmlns:a14="http://schemas.microsoft.com/office/drawing/2010/main" val="0"/>
@@ -8155,7 +9005,7 @@
           <p:nvPr/>
         </p:nvPicPr>
         <p:blipFill>
-          <a:blip r:embed="rId8" cstate="print">
+          <a:blip r:embed="rId9" cstate="print">
             <a:extLst>
               <a:ext uri="{28A0092B-C50C-407E-A947-70E740481C1C}">
                 <a14:useLocalDpi xmlns:a14="http://schemas.microsoft.com/office/drawing/2010/main" val="0"/>
@@ -8190,6 +9040,88 @@
       <p:pic>
         <p:nvPicPr>
           <p:cNvPr id="54" name="Picture 12" descr="https://image.freepik.com/free-icon/woman-with-a-dress-dancing_318-29589.png"/>
+          <p:cNvPicPr>
+            <a:picLocks noChangeAspect="1" noChangeArrowheads="1"/>
+          </p:cNvPicPr>
+          <p:nvPr/>
+        </p:nvPicPr>
+        <p:blipFill>
+          <a:blip r:embed="rId11" cstate="print">
+            <a:extLst>
+              <a:ext uri="{28A0092B-C50C-407E-A947-70E740481C1C}">
+                <a14:useLocalDpi xmlns:a14="http://schemas.microsoft.com/office/drawing/2010/main" val="0"/>
+              </a:ext>
+            </a:extLst>
+          </a:blip>
+          <a:srcRect/>
+          <a:stretch>
+            <a:fillRect/>
+          </a:stretch>
+        </p:blipFill>
+        <p:spPr bwMode="auto">
+          <a:xfrm>
+            <a:off x="1315571" y="5042309"/>
+            <a:ext cx="1380262" cy="1380262"/>
+          </a:xfrm>
+          <a:prstGeom prst="rect">
+            <a:avLst/>
+          </a:prstGeom>
+          <a:noFill/>
+          <a:extLst>
+            <a:ext uri="{909E8E84-426E-40DD-AFC4-6F175D3DCCD1}">
+              <a14:hiddenFill xmlns:a14="http://schemas.microsoft.com/office/drawing/2010/main">
+                <a:solidFill>
+                  <a:srgbClr val="FFFFFF"/>
+                </a:solidFill>
+              </a14:hiddenFill>
+            </a:ext>
+          </a:extLst>
+        </p:spPr>
+      </p:pic>
+      <p:pic>
+        <p:nvPicPr>
+          <p:cNvPr id="55" name="Picture 12" descr="https://image.freepik.com/free-icon/woman-with-a-dress-dancing_318-29589.png"/>
+          <p:cNvPicPr>
+            <a:picLocks noChangeAspect="1" noChangeArrowheads="1"/>
+          </p:cNvPicPr>
+          <p:nvPr/>
+        </p:nvPicPr>
+        <p:blipFill>
+          <a:blip r:embed="rId11" cstate="print">
+            <a:extLst>
+              <a:ext uri="{28A0092B-C50C-407E-A947-70E740481C1C}">
+                <a14:useLocalDpi xmlns:a14="http://schemas.microsoft.com/office/drawing/2010/main" val="0"/>
+              </a:ext>
+            </a:extLst>
+          </a:blip>
+          <a:srcRect/>
+          <a:stretch>
+            <a:fillRect/>
+          </a:stretch>
+        </p:blipFill>
+        <p:spPr bwMode="auto">
+          <a:xfrm>
+            <a:off x="7890087" y="310399"/>
+            <a:ext cx="1380262" cy="1380262"/>
+          </a:xfrm>
+          <a:prstGeom prst="rect">
+            <a:avLst/>
+          </a:prstGeom>
+          <a:noFill/>
+          <a:extLst>
+            <a:ext uri="{909E8E84-426E-40DD-AFC4-6F175D3DCCD1}">
+              <a14:hiddenFill xmlns:a14="http://schemas.microsoft.com/office/drawing/2010/main">
+                <a:solidFill>
+                  <a:srgbClr val="FFFFFF"/>
+                </a:solidFill>
+              </a14:hiddenFill>
+            </a:ext>
+          </a:extLst>
+        </p:spPr>
+      </p:pic>
+      <p:pic>
+        <p:nvPicPr>
+          <p:cNvPr id="56" name="Picture 4" descr="https://image.freepik.com/free-icon/baby-face_318-61853.jpg"/>
           <p:cNvPicPr>
             <a:picLocks noChangeAspect="1" noChangeArrowheads="1"/>
           </p:cNvPicPr>
@@ -8210,131 +9142,8 @@
         </p:blipFill>
         <p:spPr bwMode="auto">
           <a:xfrm>
-            <a:off x="1315571" y="5042309"/>
-            <a:ext cx="1380262" cy="1380262"/>
-          </a:xfrm>
-          <a:prstGeom prst="rect">
-            <a:avLst/>
-          </a:prstGeom>
-          <a:noFill/>
-          <a:extLst>
-            <a:ext uri="{909E8E84-426E-40DD-AFC4-6F175D3DCCD1}">
-              <a14:hiddenFill xmlns:a14="http://schemas.microsoft.com/office/drawing/2010/main">
-                <a:solidFill>
-                  <a:srgbClr val="FFFFFF"/>
-                </a:solidFill>
-              </a14:hiddenFill>
-            </a:ext>
-          </a:extLst>
-        </p:spPr>
-      </p:pic>
-      <p:pic>
-        <p:nvPicPr>
-          <p:cNvPr id="55" name="Picture 12" descr="https://image.freepik.com/free-icon/woman-with-a-dress-dancing_318-29589.png"/>
-          <p:cNvPicPr>
-            <a:picLocks noChangeAspect="1" noChangeArrowheads="1"/>
-          </p:cNvPicPr>
-          <p:nvPr/>
-        </p:nvPicPr>
-        <p:blipFill>
-          <a:blip r:embed="rId10" cstate="print">
-            <a:extLst>
-              <a:ext uri="{28A0092B-C50C-407E-A947-70E740481C1C}">
-                <a14:useLocalDpi xmlns:a14="http://schemas.microsoft.com/office/drawing/2010/main" val="0"/>
-              </a:ext>
-            </a:extLst>
-          </a:blip>
-          <a:srcRect/>
-          <a:stretch>
-            <a:fillRect/>
-          </a:stretch>
-        </p:blipFill>
-        <p:spPr bwMode="auto">
-          <a:xfrm>
-            <a:off x="7890087" y="310399"/>
-            <a:ext cx="1380262" cy="1380262"/>
-          </a:xfrm>
-          <a:prstGeom prst="rect">
-            <a:avLst/>
-          </a:prstGeom>
-          <a:noFill/>
-          <a:extLst>
-            <a:ext uri="{909E8E84-426E-40DD-AFC4-6F175D3DCCD1}">
-              <a14:hiddenFill xmlns:a14="http://schemas.microsoft.com/office/drawing/2010/main">
-                <a:solidFill>
-                  <a:srgbClr val="FFFFFF"/>
-                </a:solidFill>
-              </a14:hiddenFill>
-            </a:ext>
-          </a:extLst>
-        </p:spPr>
-      </p:pic>
-      <p:pic>
-        <p:nvPicPr>
-          <p:cNvPr id="56" name="Picture 4" descr="https://image.freepik.com/free-icon/baby-face_318-61853.jpg"/>
-          <p:cNvPicPr>
-            <a:picLocks noChangeAspect="1" noChangeArrowheads="1"/>
-          </p:cNvPicPr>
-          <p:nvPr/>
-        </p:nvPicPr>
-        <p:blipFill>
-          <a:blip r:embed="rId9" cstate="print">
-            <a:extLst>
-              <a:ext uri="{28A0092B-C50C-407E-A947-70E740481C1C}">
-                <a14:useLocalDpi xmlns:a14="http://schemas.microsoft.com/office/drawing/2010/main" val="0"/>
-              </a:ext>
-            </a:extLst>
-          </a:blip>
-          <a:srcRect/>
-          <a:stretch>
-            <a:fillRect/>
-          </a:stretch>
-        </p:blipFill>
-        <p:spPr bwMode="auto">
-          <a:xfrm>
             <a:off x="5328580" y="3023318"/>
             <a:ext cx="1003275" cy="1003275"/>
-          </a:xfrm>
-          <a:prstGeom prst="rect">
-            <a:avLst/>
-          </a:prstGeom>
-          <a:noFill/>
-          <a:extLst>
-            <a:ext uri="{909E8E84-426E-40DD-AFC4-6F175D3DCCD1}">
-              <a14:hiddenFill xmlns:a14="http://schemas.microsoft.com/office/drawing/2010/main">
-                <a:solidFill>
-                  <a:srgbClr val="FFFFFF"/>
-                </a:solidFill>
-              </a14:hiddenFill>
-            </a:ext>
-          </a:extLst>
-        </p:spPr>
-      </p:pic>
-      <p:pic>
-        <p:nvPicPr>
-          <p:cNvPr id="57" name="Picture 2" descr="http://cnet3.cbsistatic.com/hub/i/r/2014/03/18/46acd27d-b0d3-11e3-a24e-d4ae52e62bcc/resize/570xauto/5e100181990c5e06accef2303a0d3d04/Ga8eGNwL.png"/>
-          <p:cNvPicPr>
-            <a:picLocks noChangeAspect="1" noChangeArrowheads="1"/>
-          </p:cNvPicPr>
-          <p:nvPr/>
-        </p:nvPicPr>
-        <p:blipFill>
-          <a:blip r:embed="rId12" cstate="print">
-            <a:extLst>
-              <a:ext uri="{28A0092B-C50C-407E-A947-70E740481C1C}">
-                <a14:useLocalDpi xmlns:a14="http://schemas.microsoft.com/office/drawing/2010/main" val="0"/>
-              </a:ext>
-            </a:extLst>
-          </a:blip>
-          <a:srcRect/>
-          <a:stretch>
-            <a:fillRect/>
-          </a:stretch>
-        </p:blipFill>
-        <p:spPr bwMode="auto">
-          <a:xfrm>
-            <a:off x="5057911" y="2943837"/>
-            <a:ext cx="1443634" cy="1443635"/>
           </a:xfrm>
           <a:prstGeom prst="rect">
             <a:avLst/>
@@ -11367,97 +12176,6 @@
                                         <p:strVal val="hidden"/>
                                       </p:to>
                                     </p:set>
-                                  </p:childTnLst>
-                                </p:cTn>
-                              </p:par>
-                            </p:childTnLst>
-                          </p:cTn>
-                        </p:par>
-                      </p:childTnLst>
-                    </p:cTn>
-                  </p:par>
-                  <p:par>
-                    <p:cTn id="189" fill="hold">
-                      <p:stCondLst>
-                        <p:cond delay="indefinite"/>
-                      </p:stCondLst>
-                      <p:childTnLst>
-                        <p:par>
-                          <p:cTn id="190" fill="hold">
-                            <p:stCondLst>
-                              <p:cond delay="0"/>
-                            </p:stCondLst>
-                            <p:childTnLst>
-                              <p:par>
-                                <p:cTn id="191" presetID="2" presetClass="entr" presetSubtype="4" fill="hold" nodeType="clickEffect">
-                                  <p:stCondLst>
-                                    <p:cond delay="100"/>
-                                  </p:stCondLst>
-                                  <p:childTnLst>
-                                    <p:set>
-                                      <p:cBhvr>
-                                        <p:cTn id="192" dur="1" fill="hold">
-                                          <p:stCondLst>
-                                            <p:cond delay="0"/>
-                                          </p:stCondLst>
-                                        </p:cTn>
-                                        <p:tgtEl>
-                                          <p:spTgt spid="57"/>
-                                        </p:tgtEl>
-                                        <p:attrNameLst>
-                                          <p:attrName>style.visibility</p:attrName>
-                                        </p:attrNameLst>
-                                      </p:cBhvr>
-                                      <p:to>
-                                        <p:strVal val="visible"/>
-                                      </p:to>
-                                    </p:set>
-                                    <p:anim calcmode="lin" valueType="num">
-                                      <p:cBhvr additive="base">
-                                        <p:cTn id="193" dur="700" fill="hold"/>
-                                        <p:tgtEl>
-                                          <p:spTgt spid="57"/>
-                                        </p:tgtEl>
-                                        <p:attrNameLst>
-                                          <p:attrName>ppt_x</p:attrName>
-                                        </p:attrNameLst>
-                                      </p:cBhvr>
-                                      <p:tavLst>
-                                        <p:tav tm="0">
-                                          <p:val>
-                                            <p:strVal val="#ppt_x"/>
-                                          </p:val>
-                                        </p:tav>
-                                        <p:tav tm="100000">
-                                          <p:val>
-                                            <p:strVal val="#ppt_x"/>
-                                          </p:val>
-                                        </p:tav>
-                                      </p:tavLst>
-                                    </p:anim>
-                                    <p:anim calcmode="lin" valueType="num">
-                                      <p:cBhvr additive="base">
-                                        <p:cTn id="194" dur="700" fill="hold"/>
-                                        <p:tgtEl>
-                                          <p:spTgt spid="57"/>
-                                        </p:tgtEl>
-                                        <p:attrNameLst>
-                                          <p:attrName>ppt_y</p:attrName>
-                                        </p:attrNameLst>
-                                      </p:cBhvr>
-                                      <p:tavLst>
-                                        <p:tav tm="0">
-                                          <p:val>
-                                            <p:strVal val="1+#ppt_h/2"/>
-                                          </p:val>
-                                        </p:tav>
-                                        <p:tav tm="100000">
-                                          <p:val>
-                                            <p:strVal val="#ppt_y"/>
-                                          </p:val>
-                                        </p:tav>
-                                      </p:tavLst>
-                                    </p:anim>
                                   </p:childTnLst>
                                 </p:cTn>
                               </p:par>
@@ -11531,19 +12249,11 @@
           <a:p>
             <a:r>
               <a:rPr lang="en-GB" b="1" dirty="0" smtClean="0"/>
-              <a:t>Smart </a:t>
-            </a:r>
-            <a:r>
-              <a:rPr lang="en-GB" b="1" dirty="0" smtClean="0"/>
-              <a:t>Contracts </a:t>
+              <a:t>Smart Contracts </a:t>
             </a:r>
             <a:r>
               <a:rPr lang="en-GB" dirty="0" smtClean="0"/>
-              <a:t>to the </a:t>
-            </a:r>
-            <a:r>
-              <a:rPr lang="en-GB" dirty="0" smtClean="0"/>
-              <a:t>rescue! </a:t>
+              <a:t>to the rescue! </a:t>
             </a:r>
             <a:endParaRPr lang="en-GB" dirty="0"/>
           </a:p>
@@ -11552,36 +12262,6 @@
       <p:pic>
         <p:nvPicPr>
           <p:cNvPr id="4" name="Picture 3"/>
-          <p:cNvPicPr>
-            <a:picLocks noChangeAspect="1"/>
-          </p:cNvPicPr>
-          <p:nvPr/>
-        </p:nvPicPr>
-        <p:blipFill>
-          <a:blip r:embed="rId2" cstate="print">
-            <a:extLst>
-              <a:ext uri="{28A0092B-C50C-407E-A947-70E740481C1C}">
-                <a14:useLocalDpi xmlns:a14="http://schemas.microsoft.com/office/drawing/2010/main" val="0"/>
-              </a:ext>
-            </a:extLst>
-          </a:blip>
-          <a:stretch>
-            <a:fillRect/>
-          </a:stretch>
-        </p:blipFill>
-        <p:spPr>
-          <a:xfrm>
-            <a:off x="1735182" y="3154103"/>
-            <a:ext cx="1227959" cy="1058091"/>
-          </a:xfrm>
-          <a:prstGeom prst="rect">
-            <a:avLst/>
-          </a:prstGeom>
-        </p:spPr>
-      </p:pic>
-      <p:pic>
-        <p:nvPicPr>
-          <p:cNvPr id="5" name="Picture 4"/>
           <p:cNvPicPr>
             <a:picLocks noChangeAspect="1"/>
           </p:cNvPicPr>
@@ -11601,6 +12281,36 @@
         </p:blipFill>
         <p:spPr>
           <a:xfrm>
+            <a:off x="1735182" y="3154103"/>
+            <a:ext cx="1227959" cy="1058091"/>
+          </a:xfrm>
+          <a:prstGeom prst="rect">
+            <a:avLst/>
+          </a:prstGeom>
+        </p:spPr>
+      </p:pic>
+      <p:pic>
+        <p:nvPicPr>
+          <p:cNvPr id="5" name="Picture 4"/>
+          <p:cNvPicPr>
+            <a:picLocks noChangeAspect="1"/>
+          </p:cNvPicPr>
+          <p:nvPr/>
+        </p:nvPicPr>
+        <p:blipFill>
+          <a:blip r:embed="rId4" cstate="print">
+            <a:extLst>
+              <a:ext uri="{28A0092B-C50C-407E-A947-70E740481C1C}">
+                <a14:useLocalDpi xmlns:a14="http://schemas.microsoft.com/office/drawing/2010/main" val="0"/>
+              </a:ext>
+            </a:extLst>
+          </a:blip>
+          <a:stretch>
+            <a:fillRect/>
+          </a:stretch>
+        </p:blipFill>
+        <p:spPr>
+          <a:xfrm>
             <a:off x="5286854" y="1300403"/>
             <a:ext cx="957192" cy="915435"/>
           </a:xfrm>
@@ -11618,7 +12328,7 @@
           <p:nvPr/>
         </p:nvPicPr>
         <p:blipFill>
-          <a:blip r:embed="rId4">
+          <a:blip r:embed="rId5">
             <a:extLst>
               <a:ext uri="{28A0092B-C50C-407E-A947-70E740481C1C}">
                 <a14:useLocalDpi xmlns:a14="http://schemas.microsoft.com/office/drawing/2010/main" val="0"/>
@@ -11648,7 +12358,7 @@
           <p:nvPr/>
         </p:nvPicPr>
         <p:blipFill>
-          <a:blip r:embed="rId5" cstate="print">
+          <a:blip r:embed="rId6" cstate="print">
             <a:duotone>
               <a:schemeClr val="accent6">
                 <a:shade val="45000"/>
@@ -11685,7 +12395,7 @@
           <p:nvPr/>
         </p:nvPicPr>
         <p:blipFill>
-          <a:blip r:embed="rId6" cstate="print">
+          <a:blip r:embed="rId7" cstate="print">
             <a:extLst>
               <a:ext uri="{28A0092B-C50C-407E-A947-70E740481C1C}">
                 <a14:useLocalDpi xmlns:a14="http://schemas.microsoft.com/office/drawing/2010/main" val="0"/>
@@ -11715,7 +12425,7 @@
           <p:nvPr/>
         </p:nvPicPr>
         <p:blipFill>
-          <a:blip r:embed="rId5" cstate="print">
+          <a:blip r:embed="rId6" cstate="print">
             <a:duotone>
               <a:schemeClr val="accent6">
                 <a:shade val="45000"/>
@@ -11851,7 +12561,7 @@
           <p:nvPr/>
         </p:nvPicPr>
         <p:blipFill>
-          <a:blip r:embed="rId7" cstate="print">
+          <a:blip r:embed="rId8" cstate="print">
             <a:duotone>
               <a:schemeClr val="accent6">
                 <a:shade val="45000"/>
@@ -12008,7 +12718,7 @@
           <p:nvPr/>
         </p:nvPicPr>
         <p:blipFill>
-          <a:blip r:embed="rId8" cstate="print">
+          <a:blip r:embed="rId9" cstate="print">
             <a:extLst>
               <a:ext uri="{28A0092B-C50C-407E-A947-70E740481C1C}">
                 <a14:useLocalDpi xmlns:a14="http://schemas.microsoft.com/office/drawing/2010/main" val="0"/>
@@ -12049,7 +12759,7 @@
           <p:nvPr/>
         </p:nvPicPr>
         <p:blipFill>
-          <a:blip r:embed="rId9">
+          <a:blip r:embed="rId10">
             <a:extLst>
               <a:ext uri="{28A0092B-C50C-407E-A947-70E740481C1C}">
                 <a14:useLocalDpi xmlns:a14="http://schemas.microsoft.com/office/drawing/2010/main" val="0"/>
@@ -12090,7 +12800,7 @@
           <p:nvPr/>
         </p:nvPicPr>
         <p:blipFill>
-          <a:blip r:embed="rId10" cstate="print">
+          <a:blip r:embed="rId11" cstate="print">
             <a:extLst>
               <a:ext uri="{28A0092B-C50C-407E-A947-70E740481C1C}">
                 <a14:useLocalDpi xmlns:a14="http://schemas.microsoft.com/office/drawing/2010/main" val="0"/>
@@ -12131,7 +12841,7 @@
           <p:nvPr/>
         </p:nvPicPr>
         <p:blipFill>
-          <a:blip r:embed="rId11" cstate="print">
+          <a:blip r:embed="rId12" cstate="print">
             <a:extLst>
               <a:ext uri="{28A0092B-C50C-407E-A947-70E740481C1C}">
                 <a14:useLocalDpi xmlns:a14="http://schemas.microsoft.com/office/drawing/2010/main" val="0"/>
@@ -12881,11 +13591,11 @@
   <p:clrMapOvr>
     <a:masterClrMapping/>
   </p:clrMapOvr>
-  <mc:AlternateContent xmlns:mc="http://schemas.openxmlformats.org/markup-compatibility/2006">
-    <mc:Choice xmlns:p14="http://schemas.microsoft.com/office/powerpoint/2010/main" Requires="p14">
+  <mc:AlternateContent xmlns:mc="http://schemas.openxmlformats.org/markup-compatibility/2006" xmlns:p14="http://schemas.microsoft.com/office/powerpoint/2010/main">
+    <mc:Choice Requires="p14">
       <p:transition spd="slow" p14:dur="2000"/>
     </mc:Choice>
-    <mc:Fallback>
+    <mc:Fallback xmlns="">
       <p:transition spd="slow"/>
     </mc:Fallback>
   </mc:AlternateContent>
@@ -14161,11 +14871,11 @@
   <p:clrMapOvr>
     <a:masterClrMapping/>
   </p:clrMapOvr>
-  <mc:AlternateContent xmlns:mc="http://schemas.openxmlformats.org/markup-compatibility/2006">
-    <mc:Choice xmlns:p14="http://schemas.microsoft.com/office/powerpoint/2010/main" Requires="p14">
+  <mc:AlternateContent xmlns:mc="http://schemas.openxmlformats.org/markup-compatibility/2006" xmlns:p14="http://schemas.microsoft.com/office/powerpoint/2010/main">
+    <mc:Choice Requires="p14">
       <p:transition spd="slow" p14:dur="2000"/>
     </mc:Choice>
-    <mc:Fallback>
+    <mc:Fallback xmlns="">
       <p:transition spd="slow"/>
     </mc:Fallback>
   </mc:AlternateContent>
@@ -15442,4 +16152,265 @@
     </a:ext>
   </a:extLst>
 </a:theme>
+</file>
+
+<file path=ppt/theme/theme2.xml><?xml version="1.0" encoding="utf-8"?>
+<a:theme xmlns:a="http://schemas.openxmlformats.org/drawingml/2006/main" name="Office Theme">
+  <a:themeElements>
+    <a:clrScheme name="Office">
+      <a:dk1>
+        <a:sysClr val="windowText" lastClr="000000"/>
+      </a:dk1>
+      <a:lt1>
+        <a:sysClr val="window" lastClr="FFFFFF"/>
+      </a:lt1>
+      <a:dk2>
+        <a:srgbClr val="44546A"/>
+      </a:dk2>
+      <a:lt2>
+        <a:srgbClr val="E7E6E6"/>
+      </a:lt2>
+      <a:accent1>
+        <a:srgbClr val="5B9BD5"/>
+      </a:accent1>
+      <a:accent2>
+        <a:srgbClr val="ED7D31"/>
+      </a:accent2>
+      <a:accent3>
+        <a:srgbClr val="A5A5A5"/>
+      </a:accent3>
+      <a:accent4>
+        <a:srgbClr val="FFC000"/>
+      </a:accent4>
+      <a:accent5>
+        <a:srgbClr val="4472C4"/>
+      </a:accent5>
+      <a:accent6>
+        <a:srgbClr val="70AD47"/>
+      </a:accent6>
+      <a:hlink>
+        <a:srgbClr val="0563C1"/>
+      </a:hlink>
+      <a:folHlink>
+        <a:srgbClr val="954F72"/>
+      </a:folHlink>
+    </a:clrScheme>
+    <a:fontScheme name="Office">
+      <a:majorFont>
+        <a:latin typeface="Calibri Light" panose="020F0302020204030204"/>
+        <a:ea typeface=""/>
+        <a:cs typeface=""/>
+        <a:font script="Jpan" typeface="ＭＳ Ｐゴシック"/>
+        <a:font script="Hang" typeface="맑은 고딕"/>
+        <a:font script="Hans" typeface="宋体"/>
+        <a:font script="Hant" typeface="新細明體"/>
+        <a:font script="Arab" typeface="Times New Roman"/>
+        <a:font script="Hebr" typeface="Times New Roman"/>
+        <a:font script="Thai" typeface="Angsana New"/>
+        <a:font script="Ethi" typeface="Nyala"/>
+        <a:font script="Beng" typeface="Vrinda"/>
+        <a:font script="Gujr" typeface="Shruti"/>
+        <a:font script="Khmr" typeface="MoolBoran"/>
+        <a:font script="Knda" typeface="Tunga"/>
+        <a:font script="Guru" typeface="Raavi"/>
+        <a:font script="Cans" typeface="Euphemia"/>
+        <a:font script="Cher" typeface="Plantagenet Cherokee"/>
+        <a:font script="Yiii" typeface="Microsoft Yi Baiti"/>
+        <a:font script="Tibt" typeface="Microsoft Himalaya"/>
+        <a:font script="Thaa" typeface="MV Boli"/>
+        <a:font script="Deva" typeface="Mangal"/>
+        <a:font script="Telu" typeface="Gautami"/>
+        <a:font script="Taml" typeface="Latha"/>
+        <a:font script="Syrc" typeface="Estrangelo Edessa"/>
+        <a:font script="Orya" typeface="Kalinga"/>
+        <a:font script="Mlym" typeface="Kartika"/>
+        <a:font script="Laoo" typeface="DokChampa"/>
+        <a:font script="Sinh" typeface="Iskoola Pota"/>
+        <a:font script="Mong" typeface="Mongolian Baiti"/>
+        <a:font script="Viet" typeface="Times New Roman"/>
+        <a:font script="Uigh" typeface="Microsoft Uighur"/>
+        <a:font script="Geor" typeface="Sylfaen"/>
+      </a:majorFont>
+      <a:minorFont>
+        <a:latin typeface="Calibri" panose="020F0502020204030204"/>
+        <a:ea typeface=""/>
+        <a:cs typeface=""/>
+        <a:font script="Jpan" typeface="ＭＳ Ｐゴシック"/>
+        <a:font script="Hang" typeface="맑은 고딕"/>
+        <a:font script="Hans" typeface="宋体"/>
+        <a:font script="Hant" typeface="新細明體"/>
+        <a:font script="Arab" typeface="Arial"/>
+        <a:font script="Hebr" typeface="Arial"/>
+        <a:font script="Thai" typeface="Cordia New"/>
+        <a:font script="Ethi" typeface="Nyala"/>
+        <a:font script="Beng" typeface="Vrinda"/>
+        <a:font script="Gujr" typeface="Shruti"/>
+        <a:font script="Khmr" typeface="DaunPenh"/>
+        <a:font script="Knda" typeface="Tunga"/>
+        <a:font script="Guru" typeface="Raavi"/>
+        <a:font script="Cans" typeface="Euphemia"/>
+        <a:font script="Cher" typeface="Plantagenet Cherokee"/>
+        <a:font script="Yiii" typeface="Microsoft Yi Baiti"/>
+        <a:font script="Tibt" typeface="Microsoft Himalaya"/>
+        <a:font script="Thaa" typeface="MV Boli"/>
+        <a:font script="Deva" typeface="Mangal"/>
+        <a:font script="Telu" typeface="Gautami"/>
+        <a:font script="Taml" typeface="Latha"/>
+        <a:font script="Syrc" typeface="Estrangelo Edessa"/>
+        <a:font script="Orya" typeface="Kalinga"/>
+        <a:font script="Mlym" typeface="Kartika"/>
+        <a:font script="Laoo" typeface="DokChampa"/>
+        <a:font script="Sinh" typeface="Iskoola Pota"/>
+        <a:font script="Mong" typeface="Mongolian Baiti"/>
+        <a:font script="Viet" typeface="Arial"/>
+        <a:font script="Uigh" typeface="Microsoft Uighur"/>
+        <a:font script="Geor" typeface="Sylfaen"/>
+      </a:minorFont>
+    </a:fontScheme>
+    <a:fmtScheme name="Office">
+      <a:fillStyleLst>
+        <a:solidFill>
+          <a:schemeClr val="phClr"/>
+        </a:solidFill>
+        <a:gradFill rotWithShape="1">
+          <a:gsLst>
+            <a:gs pos="0">
+              <a:schemeClr val="phClr">
+                <a:lumMod val="110000"/>
+                <a:satMod val="105000"/>
+                <a:tint val="67000"/>
+              </a:schemeClr>
+            </a:gs>
+            <a:gs pos="50000">
+              <a:schemeClr val="phClr">
+                <a:lumMod val="105000"/>
+                <a:satMod val="103000"/>
+                <a:tint val="73000"/>
+              </a:schemeClr>
+            </a:gs>
+            <a:gs pos="100000">
+              <a:schemeClr val="phClr">
+                <a:lumMod val="105000"/>
+                <a:satMod val="109000"/>
+                <a:tint val="81000"/>
+              </a:schemeClr>
+            </a:gs>
+          </a:gsLst>
+          <a:lin ang="5400000" scaled="0"/>
+        </a:gradFill>
+        <a:gradFill rotWithShape="1">
+          <a:gsLst>
+            <a:gs pos="0">
+              <a:schemeClr val="phClr">
+                <a:satMod val="103000"/>
+                <a:lumMod val="102000"/>
+                <a:tint val="94000"/>
+              </a:schemeClr>
+            </a:gs>
+            <a:gs pos="50000">
+              <a:schemeClr val="phClr">
+                <a:satMod val="110000"/>
+                <a:lumMod val="100000"/>
+                <a:shade val="100000"/>
+              </a:schemeClr>
+            </a:gs>
+            <a:gs pos="100000">
+              <a:schemeClr val="phClr">
+                <a:lumMod val="99000"/>
+                <a:satMod val="120000"/>
+                <a:shade val="78000"/>
+              </a:schemeClr>
+            </a:gs>
+          </a:gsLst>
+          <a:lin ang="5400000" scaled="0"/>
+        </a:gradFill>
+      </a:fillStyleLst>
+      <a:lnStyleLst>
+        <a:ln w="6350" cap="flat" cmpd="sng" algn="ctr">
+          <a:solidFill>
+            <a:schemeClr val="phClr"/>
+          </a:solidFill>
+          <a:prstDash val="solid"/>
+          <a:miter lim="800000"/>
+        </a:ln>
+        <a:ln w="12700" cap="flat" cmpd="sng" algn="ctr">
+          <a:solidFill>
+            <a:schemeClr val="phClr"/>
+          </a:solidFill>
+          <a:prstDash val="solid"/>
+          <a:miter lim="800000"/>
+        </a:ln>
+        <a:ln w="19050" cap="flat" cmpd="sng" algn="ctr">
+          <a:solidFill>
+            <a:schemeClr val="phClr"/>
+          </a:solidFill>
+          <a:prstDash val="solid"/>
+          <a:miter lim="800000"/>
+        </a:ln>
+      </a:lnStyleLst>
+      <a:effectStyleLst>
+        <a:effectStyle>
+          <a:effectLst/>
+        </a:effectStyle>
+        <a:effectStyle>
+          <a:effectLst/>
+        </a:effectStyle>
+        <a:effectStyle>
+          <a:effectLst>
+            <a:outerShdw blurRad="57150" dist="19050" dir="5400000" algn="ctr" rotWithShape="0">
+              <a:srgbClr val="000000">
+                <a:alpha val="63000"/>
+              </a:srgbClr>
+            </a:outerShdw>
+          </a:effectLst>
+        </a:effectStyle>
+      </a:effectStyleLst>
+      <a:bgFillStyleLst>
+        <a:solidFill>
+          <a:schemeClr val="phClr"/>
+        </a:solidFill>
+        <a:solidFill>
+          <a:schemeClr val="phClr">
+            <a:tint val="95000"/>
+            <a:satMod val="170000"/>
+          </a:schemeClr>
+        </a:solidFill>
+        <a:gradFill rotWithShape="1">
+          <a:gsLst>
+            <a:gs pos="0">
+              <a:schemeClr val="phClr">
+                <a:tint val="93000"/>
+                <a:satMod val="150000"/>
+                <a:shade val="98000"/>
+                <a:lumMod val="102000"/>
+              </a:schemeClr>
+            </a:gs>
+            <a:gs pos="50000">
+              <a:schemeClr val="phClr">
+                <a:tint val="98000"/>
+                <a:satMod val="130000"/>
+                <a:shade val="90000"/>
+                <a:lumMod val="103000"/>
+              </a:schemeClr>
+            </a:gs>
+            <a:gs pos="100000">
+              <a:schemeClr val="phClr">
+                <a:shade val="63000"/>
+                <a:satMod val="120000"/>
+              </a:schemeClr>
+            </a:gs>
+          </a:gsLst>
+          <a:lin ang="5400000" scaled="0"/>
+        </a:gradFill>
+      </a:bgFillStyleLst>
+    </a:fmtScheme>
+  </a:themeElements>
+  <a:objectDefaults/>
+  <a:extraClrSchemeLst/>
+  <a:extLst>
+    <a:ext uri="{05A4C25C-085E-4340-85A3-A5531E510DB2}">
+      <thm15:themeFamily xmlns:thm15="http://schemas.microsoft.com/office/thememl/2012/main" name="Office Theme" id="{62F939B6-93AF-4DB8-9C6B-D6C7DFDC589F}" vid="{4A3C46E8-61CC-4603-A589-7422A47A8E4A}"/>
+    </a:ext>
+  </a:extLst>
+</a:theme>
 </file>